--- a/document/Presentation.pptx
+++ b/document/Presentation.pptx
@@ -8,15 +8,17 @@
     <p:sldId id="256" r:id="rId2"/>
     <p:sldId id="257" r:id="rId3"/>
     <p:sldId id="258" r:id="rId4"/>
-    <p:sldId id="259" r:id="rId5"/>
-    <p:sldId id="260" r:id="rId6"/>
-    <p:sldId id="266" r:id="rId7"/>
-    <p:sldId id="261" r:id="rId8"/>
-    <p:sldId id="262" r:id="rId9"/>
-    <p:sldId id="263" r:id="rId10"/>
-    <p:sldId id="264" r:id="rId11"/>
-    <p:sldId id="265" r:id="rId12"/>
-    <p:sldId id="268" r:id="rId13"/>
+    <p:sldId id="269" r:id="rId5"/>
+    <p:sldId id="270" r:id="rId6"/>
+    <p:sldId id="259" r:id="rId7"/>
+    <p:sldId id="260" r:id="rId8"/>
+    <p:sldId id="272" r:id="rId9"/>
+    <p:sldId id="273" r:id="rId10"/>
+    <p:sldId id="274" r:id="rId11"/>
+    <p:sldId id="276" r:id="rId12"/>
+    <p:sldId id="271" r:id="rId13"/>
+    <p:sldId id="277" r:id="rId14"/>
+    <p:sldId id="275" r:id="rId15"/>
   </p:sldIdLst>
   <p:sldSz cx="12192000" cy="6858000"/>
   <p:notesSz cx="6858000" cy="9144000"/>
@@ -254,7 +256,7 @@
           <a:p>
             <a:fld id="{DF5C63CC-EC59-4D19-8326-B5CD44FF15C5}" type="datetimeFigureOut">
               <a:rPr lang="en-US" smtClean="0"/>
-              <a:t>2/17/2016</a:t>
+              <a:t>4/6/2016</a:t>
             </a:fld>
             <a:endParaRPr lang="en-US"/>
           </a:p>
@@ -424,7 +426,7 @@
           <a:p>
             <a:fld id="{DF5C63CC-EC59-4D19-8326-B5CD44FF15C5}" type="datetimeFigureOut">
               <a:rPr lang="en-US" smtClean="0"/>
-              <a:t>2/17/2016</a:t>
+              <a:t>4/6/2016</a:t>
             </a:fld>
             <a:endParaRPr lang="en-US"/>
           </a:p>
@@ -604,7 +606,7 @@
           <a:p>
             <a:fld id="{DF5C63CC-EC59-4D19-8326-B5CD44FF15C5}" type="datetimeFigureOut">
               <a:rPr lang="en-US" smtClean="0"/>
-              <a:t>2/17/2016</a:t>
+              <a:t>4/6/2016</a:t>
             </a:fld>
             <a:endParaRPr lang="en-US"/>
           </a:p>
@@ -774,7 +776,7 @@
           <a:p>
             <a:fld id="{DF5C63CC-EC59-4D19-8326-B5CD44FF15C5}" type="datetimeFigureOut">
               <a:rPr lang="en-US" smtClean="0"/>
-              <a:t>2/17/2016</a:t>
+              <a:t>4/6/2016</a:t>
             </a:fld>
             <a:endParaRPr lang="en-US"/>
           </a:p>
@@ -1020,7 +1022,7 @@
           <a:p>
             <a:fld id="{DF5C63CC-EC59-4D19-8326-B5CD44FF15C5}" type="datetimeFigureOut">
               <a:rPr lang="en-US" smtClean="0"/>
-              <a:t>2/17/2016</a:t>
+              <a:t>4/6/2016</a:t>
             </a:fld>
             <a:endParaRPr lang="en-US"/>
           </a:p>
@@ -1252,7 +1254,7 @@
           <a:p>
             <a:fld id="{DF5C63CC-EC59-4D19-8326-B5CD44FF15C5}" type="datetimeFigureOut">
               <a:rPr lang="en-US" smtClean="0"/>
-              <a:t>2/17/2016</a:t>
+              <a:t>4/6/2016</a:t>
             </a:fld>
             <a:endParaRPr lang="en-US"/>
           </a:p>
@@ -1619,7 +1621,7 @@
           <a:p>
             <a:fld id="{DF5C63CC-EC59-4D19-8326-B5CD44FF15C5}" type="datetimeFigureOut">
               <a:rPr lang="en-US" smtClean="0"/>
-              <a:t>2/17/2016</a:t>
+              <a:t>4/6/2016</a:t>
             </a:fld>
             <a:endParaRPr lang="en-US"/>
           </a:p>
@@ -1737,7 +1739,7 @@
           <a:p>
             <a:fld id="{DF5C63CC-EC59-4D19-8326-B5CD44FF15C5}" type="datetimeFigureOut">
               <a:rPr lang="en-US" smtClean="0"/>
-              <a:t>2/17/2016</a:t>
+              <a:t>4/6/2016</a:t>
             </a:fld>
             <a:endParaRPr lang="en-US"/>
           </a:p>
@@ -1832,7 +1834,7 @@
           <a:p>
             <a:fld id="{DF5C63CC-EC59-4D19-8326-B5CD44FF15C5}" type="datetimeFigureOut">
               <a:rPr lang="en-US" smtClean="0"/>
-              <a:t>2/17/2016</a:t>
+              <a:t>4/6/2016</a:t>
             </a:fld>
             <a:endParaRPr lang="en-US"/>
           </a:p>
@@ -2109,7 +2111,7 @@
           <a:p>
             <a:fld id="{DF5C63CC-EC59-4D19-8326-B5CD44FF15C5}" type="datetimeFigureOut">
               <a:rPr lang="en-US" smtClean="0"/>
-              <a:t>2/17/2016</a:t>
+              <a:t>4/6/2016</a:t>
             </a:fld>
             <a:endParaRPr lang="en-US"/>
           </a:p>
@@ -2362,7 +2364,7 @@
           <a:p>
             <a:fld id="{DF5C63CC-EC59-4D19-8326-B5CD44FF15C5}" type="datetimeFigureOut">
               <a:rPr lang="en-US" smtClean="0"/>
-              <a:t>2/17/2016</a:t>
+              <a:t>4/6/2016</a:t>
             </a:fld>
             <a:endParaRPr lang="en-US"/>
           </a:p>
@@ -2575,7 +2577,7 @@
           <a:p>
             <a:fld id="{DF5C63CC-EC59-4D19-8326-B5CD44FF15C5}" type="datetimeFigureOut">
               <a:rPr lang="en-US" smtClean="0"/>
-              <a:t>2/17/2016</a:t>
+              <a:t>4/6/2016</a:t>
             </a:fld>
             <a:endParaRPr lang="en-US"/>
           </a:p>
@@ -3222,7 +3224,7 @@
         </p:spPr>
         <p:txBody>
           <a:bodyPr>
-            <a:normAutofit fontScale="47500" lnSpcReduction="20000"/>
+            <a:normAutofit fontScale="32500" lnSpcReduction="20000"/>
           </a:bodyPr>
           <a:lstStyle/>
           <a:p>
@@ -3289,76 +3291,101 @@
             </a:r>
             <a:r>
               <a:rPr lang="en-US" sz="3200" b="1" dirty="0" smtClean="0"/>
-              <a:t>	Submitted </a:t>
-            </a:r>
+              <a:t>	</a:t>
+            </a:r>
+            <a:r>
+              <a:rPr lang="en-US" sz="3700" b="1" dirty="0" smtClean="0"/>
+              <a:t>Submitted </a:t>
+            </a:r>
+            <a:r>
+              <a:rPr lang="en-US" sz="3700" b="1" dirty="0"/>
+              <a:t>by:  </a:t>
+            </a:r>
+            <a:r>
+              <a:rPr lang="en-US" sz="3700" b="1" dirty="0" smtClean="0"/>
+              <a:t>TEAM-2</a:t>
+            </a:r>
+            <a:endParaRPr lang="en-US" sz="3700" dirty="0" smtClean="0"/>
+          </a:p>
+          <a:p>
+            <a:pPr algn="l">
+              <a:lnSpc>
+                <a:spcPct val="120000"/>
+              </a:lnSpc>
+              <a:spcBef>
+                <a:spcPts val="0"/>
+              </a:spcBef>
+            </a:pPr>
+            <a:r>
+              <a:rPr lang="en-US" sz="3700" b="1" dirty="0" smtClean="0"/>
+              <a:t>						</a:t>
+            </a:r>
+            <a:br>
+              <a:rPr lang="en-US" sz="3700" b="1" dirty="0" smtClean="0"/>
+            </a:br>
+            <a:r>
+              <a:rPr lang="en-US" sz="3700" b="1" dirty="0" smtClean="0"/>
+              <a:t>						             Lokesh Parappurath -  27299680</a:t>
+            </a:r>
+            <a:br>
+              <a:rPr lang="en-US" sz="3700" b="1" dirty="0" smtClean="0"/>
+            </a:br>
+            <a:r>
+              <a:rPr lang="en-US" sz="3700" b="1" dirty="0" smtClean="0"/>
+              <a:t>					        	             Iftikhar Ahmed          -  26854605</a:t>
+            </a:r>
+            <a:br>
+              <a:rPr lang="en-US" sz="3700" b="1" dirty="0" smtClean="0"/>
+            </a:br>
+            <a:r>
+              <a:rPr lang="en-US" sz="3700" b="1" dirty="0" smtClean="0"/>
+              <a:t>						             Muhammad Umer    -  40015021</a:t>
+            </a:r>
+          </a:p>
+          <a:p>
+            <a:pPr algn="l">
+              <a:lnSpc>
+                <a:spcPct val="120000"/>
+              </a:lnSpc>
+              <a:spcBef>
+                <a:spcPts val="0"/>
+              </a:spcBef>
+            </a:pPr>
+            <a:r>
+              <a:rPr lang="en-US" sz="3700" b="1" dirty="0" smtClean="0"/>
+              <a:t>						             </a:t>
+            </a:r>
+            <a:r>
+              <a:rPr lang="en-US" sz="3700" b="1" dirty="0" err="1" smtClean="0"/>
+              <a:t>Armaghan</a:t>
+            </a:r>
+            <a:r>
+              <a:rPr lang="en-US" sz="3700" b="1" dirty="0" smtClean="0"/>
+              <a:t> </a:t>
+            </a:r>
+            <a:r>
+              <a:rPr lang="en-US" sz="3700" b="1" dirty="0" err="1" smtClean="0"/>
+              <a:t>Sikandar</a:t>
+            </a:r>
+            <a:r>
+              <a:rPr lang="en-US" sz="3700" b="1" dirty="0" smtClean="0"/>
+              <a:t>  </a:t>
+            </a:r>
+            <a:r>
+              <a:rPr lang="en-US" sz="3700" b="1" dirty="0"/>
+              <a:t>-  27421001</a:t>
+            </a:r>
+            <a:endParaRPr lang="en-US" sz="3700" b="1" dirty="0" smtClean="0"/>
+          </a:p>
+          <a:p>
+            <a:pPr algn="l"/>
             <a:r>
               <a:rPr lang="en-US" sz="3200" b="1" dirty="0"/>
-              <a:t>by:  </a:t>
+              <a:t>	</a:t>
             </a:r>
             <a:r>
               <a:rPr lang="en-US" sz="3200" b="1" dirty="0" smtClean="0"/>
-              <a:t>TEAM-2</a:t>
-            </a:r>
-            <a:endParaRPr lang="en-US" sz="3200" dirty="0" smtClean="0"/>
-          </a:p>
-          <a:p>
-            <a:pPr algn="l"/>
-            <a:r>
-              <a:rPr lang="en-US" sz="3200" b="1" dirty="0" smtClean="0"/>
-              <a:t>						             </a:t>
-            </a:r>
-            <a:r>
-              <a:rPr lang="en-US" sz="3200" b="1" dirty="0" err="1" smtClean="0"/>
-              <a:t>Alaa</a:t>
-            </a:r>
-            <a:r>
-              <a:rPr lang="en-US" sz="3200" b="1" dirty="0" smtClean="0"/>
-              <a:t> Sabah                -  27835647</a:t>
-            </a:r>
-            <a:br>
-              <a:rPr lang="en-US" sz="3200" b="1" dirty="0" smtClean="0"/>
-            </a:br>
-            <a:r>
-              <a:rPr lang="en-US" sz="3200" b="1" dirty="0" smtClean="0"/>
-              <a:t>						             </a:t>
-            </a:r>
-            <a:r>
-              <a:rPr lang="en-US" sz="3200" b="1" dirty="0" err="1" smtClean="0"/>
-              <a:t>Lokesh</a:t>
-            </a:r>
-            <a:r>
-              <a:rPr lang="en-US" sz="3200" b="1" dirty="0" smtClean="0"/>
-              <a:t> </a:t>
-            </a:r>
-            <a:r>
-              <a:rPr lang="en-US" sz="3200" b="1" dirty="0" err="1" smtClean="0"/>
-              <a:t>Parappurath</a:t>
-            </a:r>
-            <a:r>
-              <a:rPr lang="en-US" sz="3200" b="1" dirty="0" smtClean="0"/>
-              <a:t> -  27299680</a:t>
-            </a:r>
-            <a:br>
-              <a:rPr lang="en-US" sz="3200" b="1" dirty="0" smtClean="0"/>
-            </a:br>
-            <a:r>
-              <a:rPr lang="en-US" sz="3200" b="1" dirty="0" smtClean="0"/>
-              <a:t>					        	             Iftikhar Ahmad          -  26854605</a:t>
-            </a:r>
-            <a:br>
-              <a:rPr lang="en-US" sz="3200" b="1" dirty="0" smtClean="0"/>
-            </a:br>
-            <a:r>
-              <a:rPr lang="en-US" sz="3200" b="1" dirty="0" smtClean="0"/>
-              <a:t>						             Muhammad </a:t>
-            </a:r>
-            <a:r>
-              <a:rPr lang="en-US" sz="3200" b="1" dirty="0" err="1" smtClean="0"/>
-              <a:t>Umer</a:t>
-            </a:r>
-            <a:r>
-              <a:rPr lang="en-US" sz="3200" b="1" dirty="0" smtClean="0"/>
-              <a:t>    -  40015021</a:t>
+              <a:t>					             </a:t>
             </a:r>
             <a:endParaRPr lang="en-US" sz="3200" dirty="0" smtClean="0"/>
           </a:p>
@@ -3439,7 +3466,7 @@
       </p:grpSpPr>
       <p:sp>
         <p:nvSpPr>
-          <p:cNvPr id="2" name="Title 1"/>
+          <p:cNvPr id="4" name="Title 1"/>
           <p:cNvSpPr>
             <a:spLocks noGrp="1"/>
           </p:cNvSpPr>
@@ -3447,60 +3474,115 @@
             <p:ph type="title"/>
           </p:nvPr>
         </p:nvSpPr>
-        <p:spPr/>
-        <p:txBody>
-          <a:bodyPr/>
-          <a:lstStyle/>
-          <a:p>
-            <a:r>
-              <a:rPr lang="en-CA" dirty="0" smtClean="0"/>
-              <a:t>UML Class diagram for MVC Architecture</a:t>
-            </a:r>
-            <a:endParaRPr lang="en-US" dirty="0"/>
-          </a:p>
-        </p:txBody>
-      </p:sp>
-      <p:pic>
-        <p:nvPicPr>
-          <p:cNvPr id="4" name="Content Placeholder 3" descr="Tower_UML"/>
-          <p:cNvPicPr>
-            <a:picLocks noGrp="1"/>
-          </p:cNvPicPr>
+        <p:spPr>
+          <a:xfrm>
+            <a:off x="838200" y="365126"/>
+            <a:ext cx="10515600" cy="959822"/>
+          </a:xfrm>
+        </p:spPr>
+        <p:txBody>
+          <a:bodyPr>
+            <a:normAutofit/>
+          </a:bodyPr>
+          <a:lstStyle/>
+          <a:p>
+            <a:r>
+              <a:rPr lang="en-US" sz="3600" b="1" dirty="0" smtClean="0">
+                <a:solidFill>
+                  <a:srgbClr val="FF0000"/>
+                </a:solidFill>
+              </a:rPr>
+              <a:t>Factory Pattern</a:t>
+            </a:r>
+            <a:endParaRPr lang="en-US" sz="3600" b="1" dirty="0">
+              <a:solidFill>
+                <a:srgbClr val="FF0000"/>
+              </a:solidFill>
+            </a:endParaRPr>
+          </a:p>
+        </p:txBody>
+      </p:sp>
+      <p:sp>
+        <p:nvSpPr>
+          <p:cNvPr id="5" name="Content Placeholder 2"/>
+          <p:cNvSpPr>
+            <a:spLocks noGrp="1"/>
+          </p:cNvSpPr>
           <p:nvPr>
             <p:ph idx="1"/>
           </p:nvPr>
-        </p:nvPicPr>
-        <p:blipFill>
-          <a:blip r:embed="rId2">
-            <a:extLst>
-              <a:ext uri="{28A0092B-C50C-407E-A947-70E740481C1C}">
-                <a14:useLocalDpi xmlns:a14="http://schemas.microsoft.com/office/drawing/2010/main" val="0"/>
-              </a:ext>
-            </a:extLst>
-          </a:blip>
-          <a:srcRect/>
-          <a:stretch>
-            <a:fillRect/>
-          </a:stretch>
-        </p:blipFill>
-        <p:spPr bwMode="auto">
+        </p:nvSpPr>
+        <p:spPr>
           <a:xfrm>
-            <a:off x="3280428" y="2160603"/>
-            <a:ext cx="5631143" cy="4351338"/>
-          </a:xfrm>
-          <a:prstGeom prst="rect">
-            <a:avLst/>
-          </a:prstGeom>
-          <a:noFill/>
-          <a:ln>
-            <a:noFill/>
-          </a:ln>
-        </p:spPr>
-      </p:pic>
+            <a:off x="838200" y="1468192"/>
+            <a:ext cx="10515600" cy="4708771"/>
+          </a:xfrm>
+        </p:spPr>
+        <p:txBody>
+          <a:bodyPr>
+            <a:noAutofit/>
+          </a:bodyPr>
+          <a:lstStyle/>
+          <a:p>
+            <a:pPr marL="0" indent="0">
+              <a:spcBef>
+                <a:spcPct val="20000"/>
+              </a:spcBef>
+              <a:buClr>
+                <a:schemeClr val="accent1"/>
+              </a:buClr>
+              <a:buSzPct val="85000"/>
+              <a:buNone/>
+            </a:pPr>
+            <a:r>
+              <a:rPr lang="en-US" altLang="en-US" dirty="0" smtClean="0">
+                <a:latin typeface="Calibri" panose="020F0502020204030204" pitchFamily="34" charset="0"/>
+              </a:rPr>
+              <a:t>In the game application, we are using different types of critters all of which are having the same properties. Since the purpose of the factory design pattern is to handle polymorphism and in situations when a class uses hierarchy of classes to specify which object it creates, we decided to implement critters using the </a:t>
+            </a:r>
+            <a:r>
+              <a:rPr lang="en-US" altLang="en-US" dirty="0" smtClean="0">
+                <a:solidFill>
+                  <a:srgbClr val="FF0000"/>
+                </a:solidFill>
+                <a:latin typeface="Calibri" panose="020F0502020204030204" pitchFamily="34" charset="0"/>
+              </a:rPr>
+              <a:t>Factory design pattern</a:t>
+            </a:r>
+            <a:r>
+              <a:rPr lang="en-US" altLang="en-US" dirty="0" smtClean="0">
+                <a:latin typeface="Calibri" panose="020F0502020204030204" pitchFamily="34" charset="0"/>
+              </a:rPr>
+              <a:t>. </a:t>
+            </a:r>
+          </a:p>
+          <a:p>
+            <a:pPr marL="0" indent="0">
+              <a:spcBef>
+                <a:spcPct val="20000"/>
+              </a:spcBef>
+              <a:buClr>
+                <a:schemeClr val="accent1"/>
+              </a:buClr>
+              <a:buSzPct val="85000"/>
+              <a:buNone/>
+            </a:pPr>
+            <a:r>
+              <a:rPr lang="en-US" altLang="en-US" dirty="0" smtClean="0">
+                <a:latin typeface="Calibri" panose="020F0502020204030204" pitchFamily="34" charset="0"/>
+              </a:rPr>
+              <a:t>In the application, we have a base critter class with the basic properties and methods to handle the critters. There are 3 different critter classes which derive from the base class. The instantiation of the critter is decided by the critter factory class which returns a critter type decided at runtime to the base critter reference object.</a:t>
+            </a:r>
+            <a:endParaRPr lang="en-US" dirty="0">
+              <a:latin typeface="Calibri" panose="020F0502020204030204" pitchFamily="34" charset="0"/>
+            </a:endParaRPr>
+          </a:p>
+        </p:txBody>
+      </p:sp>
     </p:spTree>
     <p:extLst>
       <p:ext uri="{BB962C8B-B14F-4D97-AF65-F5344CB8AC3E}">
-        <p14:creationId xmlns:p14="http://schemas.microsoft.com/office/powerpoint/2010/main" val="3077153077"/>
+        <p14:creationId xmlns:p14="http://schemas.microsoft.com/office/powerpoint/2010/main" val="1639349774"/>
       </p:ext>
     </p:extLst>
   </p:cSld>
@@ -3536,7 +3618,7 @@
       </p:grpSpPr>
       <p:sp>
         <p:nvSpPr>
-          <p:cNvPr id="2" name="Title 1"/>
+          <p:cNvPr id="4" name="Title 1"/>
           <p:cNvSpPr>
             <a:spLocks noGrp="1"/>
           </p:cNvSpPr>
@@ -3544,29 +3626,37 @@
             <p:ph type="title"/>
           </p:nvPr>
         </p:nvSpPr>
-        <p:spPr/>
-        <p:txBody>
-          <a:bodyPr/>
-          <a:lstStyle/>
-          <a:p>
-            <a:r>
-              <a:rPr lang="en-CA" dirty="0"/>
-              <a:t>Testing</a:t>
-            </a:r>
-            <a:r>
-              <a:rPr lang="en-US" dirty="0"/>
-              <a:t/>
-            </a:r>
-            <a:br>
-              <a:rPr lang="en-US" dirty="0"/>
-            </a:br>
-            <a:endParaRPr lang="en-US" dirty="0"/>
-          </a:p>
-        </p:txBody>
-      </p:sp>
-      <p:sp>
-        <p:nvSpPr>
-          <p:cNvPr id="3" name="Content Placeholder 2"/>
+        <p:spPr>
+          <a:xfrm>
+            <a:off x="838200" y="365126"/>
+            <a:ext cx="10515600" cy="959822"/>
+          </a:xfrm>
+        </p:spPr>
+        <p:txBody>
+          <a:bodyPr>
+            <a:normAutofit/>
+          </a:bodyPr>
+          <a:lstStyle/>
+          <a:p>
+            <a:r>
+              <a:rPr lang="en-US" sz="3600" b="1" dirty="0" smtClean="0">
+                <a:solidFill>
+                  <a:srgbClr val="FF0000"/>
+                </a:solidFill>
+              </a:rPr>
+              <a:t>Logs</a:t>
+            </a:r>
+            <a:endParaRPr lang="en-US" sz="3600" b="1" dirty="0">
+              <a:solidFill>
+                <a:srgbClr val="FF0000"/>
+              </a:solidFill>
+            </a:endParaRPr>
+          </a:p>
+        </p:txBody>
+      </p:sp>
+      <p:sp>
+        <p:nvSpPr>
+          <p:cNvPr id="5" name="Content Placeholder 2"/>
           <p:cNvSpPr>
             <a:spLocks noGrp="1"/>
           </p:cNvSpPr>
@@ -3574,26 +3664,86 @@
             <p:ph idx="1"/>
           </p:nvPr>
         </p:nvSpPr>
-        <p:spPr/>
-        <p:txBody>
-          <a:bodyPr/>
-          <a:lstStyle/>
-          <a:p>
-            <a:r>
-              <a:rPr lang="en-CA" dirty="0"/>
-              <a:t>Unit testing applied to our system is the JUnit   Framework for the Java Programming Language. Since its time consuming to test all the methods in the system as the large number of methods in our system is large, only selected sets of methods were tested and the method chosen test the most important aspects of the code.</a:t>
-            </a:r>
-            <a:endParaRPr lang="en-US" dirty="0"/>
-          </a:p>
-          <a:p>
-            <a:endParaRPr lang="en-US" dirty="0"/>
+        <p:spPr>
+          <a:xfrm>
+            <a:off x="838200" y="1468192"/>
+            <a:ext cx="10515600" cy="4708771"/>
+          </a:xfrm>
+        </p:spPr>
+        <p:txBody>
+          <a:bodyPr>
+            <a:noAutofit/>
+          </a:bodyPr>
+          <a:lstStyle/>
+          <a:p>
+            <a:pPr marL="0" indent="0">
+              <a:spcBef>
+                <a:spcPct val="20000"/>
+              </a:spcBef>
+              <a:buClr>
+                <a:schemeClr val="accent1"/>
+              </a:buClr>
+              <a:buSzPct val="85000"/>
+              <a:buNone/>
+            </a:pPr>
+            <a:r>
+              <a:rPr lang="en-US" altLang="en-US" dirty="0" smtClean="0">
+                <a:latin typeface="Calibri" panose="020F0502020204030204" pitchFamily="34" charset="0"/>
+              </a:rPr>
+              <a:t>In </a:t>
+            </a:r>
+            <a:r>
+              <a:rPr lang="en-US" altLang="en-US" dirty="0" smtClean="0">
+                <a:latin typeface="Calibri" panose="020F0502020204030204" pitchFamily="34" charset="0"/>
+              </a:rPr>
+              <a:t>any </a:t>
+            </a:r>
+            <a:r>
+              <a:rPr lang="en-US" altLang="en-US" dirty="0" smtClean="0">
+                <a:latin typeface="Calibri" panose="020F0502020204030204" pitchFamily="34" charset="0"/>
+              </a:rPr>
+              <a:t>application, </a:t>
+            </a:r>
+            <a:r>
+              <a:rPr lang="en-US" altLang="en-US" dirty="0" smtClean="0">
+                <a:latin typeface="Calibri" panose="020F0502020204030204" pitchFamily="34" charset="0"/>
+              </a:rPr>
+              <a:t>the development process is not perfect. In order to assist the </a:t>
+            </a:r>
+            <a:r>
+              <a:rPr lang="en-US" altLang="en-US" dirty="0" smtClean="0">
+                <a:latin typeface="Calibri" panose="020F0502020204030204" pitchFamily="34" charset="0"/>
+              </a:rPr>
+              <a:t>developer with debugging and the user with analyzing errors or unpredicted behaviors, we use logs. Logs help in determining the errors or unexpected behaviors faster. In our game application, we are also using the log files to determine what is happening inside the application when various functionalities are executed.</a:t>
+            </a:r>
+          </a:p>
+          <a:p>
+            <a:pPr marL="0" indent="0">
+              <a:spcBef>
+                <a:spcPct val="20000"/>
+              </a:spcBef>
+              <a:buClr>
+                <a:schemeClr val="accent1"/>
+              </a:buClr>
+              <a:buSzPct val="85000"/>
+              <a:buNone/>
+            </a:pPr>
+            <a:r>
+              <a:rPr lang="en-US" dirty="0" smtClean="0">
+                <a:latin typeface="Calibri" panose="020F0502020204030204" pitchFamily="34" charset="0"/>
+              </a:rPr>
+              <a:t>We have created separate log files for maps, towers, critters and for the whole game. This has assisted us in debugging the vast application more easily.</a:t>
+            </a:r>
+            <a:endParaRPr lang="en-US" dirty="0">
+              <a:latin typeface="Calibri" panose="020F0502020204030204" pitchFamily="34" charset="0"/>
+            </a:endParaRPr>
           </a:p>
         </p:txBody>
       </p:sp>
     </p:spTree>
     <p:extLst>
       <p:ext uri="{BB962C8B-B14F-4D97-AF65-F5344CB8AC3E}">
-        <p14:creationId xmlns:p14="http://schemas.microsoft.com/office/powerpoint/2010/main" val="1791428305"/>
+        <p14:creationId xmlns:p14="http://schemas.microsoft.com/office/powerpoint/2010/main" val="3305332692"/>
       </p:ext>
     </p:extLst>
   </p:cSld>
@@ -3637,223 +3787,443 @@
             <p:ph type="title"/>
           </p:nvPr>
         </p:nvSpPr>
-        <p:spPr/>
-        <p:txBody>
-          <a:bodyPr/>
-          <a:lstStyle/>
-          <a:p>
-            <a:r>
-              <a:rPr lang="en-US" dirty="0" smtClean="0"/>
-              <a:t>Agile Methodology</a:t>
+        <p:spPr>
+          <a:xfrm>
+            <a:off x="838200" y="555812"/>
+            <a:ext cx="10515600" cy="1102660"/>
+          </a:xfrm>
+        </p:spPr>
+        <p:txBody>
+          <a:bodyPr>
+            <a:normAutofit/>
+          </a:bodyPr>
+          <a:lstStyle/>
+          <a:p>
+            <a:r>
+              <a:rPr lang="en-CA" sz="3600" b="1" dirty="0">
+                <a:solidFill>
+                  <a:srgbClr val="FF0000"/>
+                </a:solidFill>
+              </a:rPr>
+              <a:t>Testing</a:t>
+            </a:r>
+            <a:r>
+              <a:rPr lang="en-US" sz="3600" dirty="0"/>
+              <a:t/>
+            </a:r>
+            <a:br>
+              <a:rPr lang="en-US" sz="3600" dirty="0"/>
+            </a:br>
+            <a:endParaRPr lang="en-US" sz="3600" dirty="0"/>
+          </a:p>
+        </p:txBody>
+      </p:sp>
+      <p:sp>
+        <p:nvSpPr>
+          <p:cNvPr id="3" name="Content Placeholder 2"/>
+          <p:cNvSpPr>
+            <a:spLocks noGrp="1"/>
+          </p:cNvSpPr>
+          <p:nvPr>
+            <p:ph idx="1"/>
+          </p:nvPr>
+        </p:nvSpPr>
+        <p:spPr>
+          <a:xfrm>
+            <a:off x="838200" y="1515035"/>
+            <a:ext cx="10515600" cy="4661928"/>
+          </a:xfrm>
+        </p:spPr>
+        <p:txBody>
+          <a:bodyPr>
+            <a:normAutofit lnSpcReduction="10000"/>
+          </a:bodyPr>
+          <a:lstStyle/>
+          <a:p>
+            <a:pPr marL="0" indent="0" algn="just">
+              <a:buNone/>
+            </a:pPr>
+            <a:r>
+              <a:rPr lang="en-CA" dirty="0" smtClean="0"/>
+              <a:t>Our testing had 2 phases: </a:t>
+            </a:r>
+          </a:p>
+          <a:p>
+            <a:pPr marL="0" indent="0" algn="just">
+              <a:buNone/>
+            </a:pPr>
+            <a:r>
+              <a:rPr lang="en-CA" dirty="0" smtClean="0">
+                <a:solidFill>
+                  <a:srgbClr val="FF0000"/>
+                </a:solidFill>
+              </a:rPr>
+              <a:t>Unit testing</a:t>
+            </a:r>
+            <a:r>
+              <a:rPr lang="en-CA" dirty="0" smtClean="0"/>
+              <a:t>: Unit </a:t>
+            </a:r>
+            <a:r>
+              <a:rPr lang="en-CA" dirty="0"/>
+              <a:t>testing </a:t>
+            </a:r>
+            <a:r>
+              <a:rPr lang="en-CA" dirty="0" smtClean="0"/>
+              <a:t>is done using the Junit Framework provided by Java. </a:t>
+            </a:r>
+            <a:r>
+              <a:rPr lang="en-CA" dirty="0"/>
+              <a:t>Since </a:t>
+            </a:r>
+            <a:r>
+              <a:rPr lang="en-CA" dirty="0" smtClean="0"/>
+              <a:t>it is </a:t>
+            </a:r>
+            <a:r>
+              <a:rPr lang="en-CA" dirty="0"/>
+              <a:t>time consuming to test all the methods in the system </a:t>
+            </a:r>
+            <a:r>
+              <a:rPr lang="en-CA" dirty="0" smtClean="0"/>
+              <a:t>in the short period, we have restricted our self to 30 specific important test cases. The test cases have been described in short in the test case document.</a:t>
+            </a:r>
+          </a:p>
+          <a:p>
+            <a:pPr marL="0" indent="0" algn="just">
+              <a:buNone/>
+            </a:pPr>
+            <a:r>
+              <a:rPr lang="en-CA" dirty="0" smtClean="0">
+                <a:solidFill>
+                  <a:srgbClr val="FF0000"/>
+                </a:solidFill>
+              </a:rPr>
+              <a:t>Integration testing</a:t>
+            </a:r>
+            <a:r>
+              <a:rPr lang="en-CA" dirty="0" smtClean="0"/>
+              <a:t>: All the units of the code have been integrated after unit testing to form this project build. Further the code has been verified to work properly after integration.</a:t>
+            </a:r>
+          </a:p>
+          <a:p>
+            <a:pPr marL="0" indent="0" algn="just">
+              <a:buNone/>
+            </a:pPr>
+            <a:r>
+              <a:rPr lang="en-CA" dirty="0" smtClean="0"/>
+              <a:t>The build is then checked for acceptance testing where all the requirements are checked for one on one functionality acceptance check.</a:t>
             </a:r>
             <a:endParaRPr lang="en-US" dirty="0"/>
           </a:p>
-        </p:txBody>
-      </p:sp>
-      <p:sp>
-        <p:nvSpPr>
-          <p:cNvPr id="3" name="Content Placeholder 2"/>
-          <p:cNvSpPr>
-            <a:spLocks noGrp="1"/>
-          </p:cNvSpPr>
-          <p:nvPr>
-            <p:ph idx="1"/>
-          </p:nvPr>
-        </p:nvSpPr>
-        <p:spPr/>
-        <p:txBody>
-          <a:bodyPr>
-            <a:normAutofit fontScale="55000" lnSpcReduction="20000"/>
-          </a:bodyPr>
-          <a:lstStyle/>
-          <a:p>
-            <a:r>
-              <a:rPr lang="en-US" dirty="0"/>
-              <a:t>Agile methodologies embrace iterations. </a:t>
-            </a:r>
-            <a:endParaRPr lang="en-US" dirty="0" smtClean="0"/>
-          </a:p>
-          <a:p>
-            <a:r>
-              <a:rPr lang="en-US" dirty="0" smtClean="0"/>
-              <a:t>Small </a:t>
-            </a:r>
-            <a:r>
-              <a:rPr lang="en-US" dirty="0"/>
-              <a:t>teams work together with </a:t>
-            </a:r>
-            <a:r>
-              <a:rPr lang="en-US" dirty="0" smtClean="0"/>
-              <a:t>stakeholders</a:t>
-            </a:r>
+          <a:p>
+            <a:pPr algn="just"/>
             <a:endParaRPr lang="en-US" dirty="0"/>
-          </a:p>
-          <a:p>
-            <a:r>
-              <a:rPr lang="en-US" dirty="0" smtClean="0"/>
-              <a:t>Proof </a:t>
-            </a:r>
-            <a:r>
-              <a:rPr lang="en-US" dirty="0"/>
-              <a:t>of concepts, or </a:t>
-            </a:r>
-            <a:r>
-              <a:rPr lang="en-US" dirty="0" smtClean="0"/>
-              <a:t>the </a:t>
-            </a:r>
-            <a:r>
-              <a:rPr lang="en-US" dirty="0"/>
-              <a:t>problem to be solved. </a:t>
-            </a:r>
-            <a:endParaRPr lang="en-US" dirty="0" smtClean="0"/>
-          </a:p>
-          <a:p>
-            <a:r>
-              <a:rPr lang="en-US" dirty="0" smtClean="0"/>
-              <a:t>The </a:t>
-            </a:r>
-            <a:r>
-              <a:rPr lang="en-US" dirty="0"/>
-              <a:t>team defines </a:t>
-            </a:r>
-            <a:r>
-              <a:rPr lang="en-US" dirty="0" smtClean="0"/>
-              <a:t>the requirements </a:t>
-            </a:r>
-            <a:r>
-              <a:rPr lang="en-US" dirty="0"/>
-              <a:t>for the iteration, develops the code, </a:t>
-            </a:r>
-            <a:r>
-              <a:rPr lang="en-US" dirty="0" smtClean="0"/>
-              <a:t>and </a:t>
-            </a:r>
-            <a:r>
-              <a:rPr lang="en-US" dirty="0"/>
-              <a:t>runs integrated test </a:t>
-            </a:r>
-            <a:r>
-              <a:rPr lang="en-US" dirty="0" smtClean="0"/>
-              <a:t>scripts.</a:t>
-            </a:r>
-          </a:p>
-          <a:p>
-            <a:r>
-              <a:rPr lang="en-US" dirty="0" smtClean="0"/>
-              <a:t>The users verify </a:t>
-            </a:r>
-            <a:r>
-              <a:rPr lang="en-US" dirty="0"/>
-              <a:t>the </a:t>
-            </a:r>
-            <a:r>
-              <a:rPr lang="en-US" dirty="0" smtClean="0"/>
-              <a:t>results.</a:t>
-            </a:r>
-          </a:p>
-          <a:p>
-            <a:r>
-              <a:rPr lang="en-US" dirty="0"/>
-              <a:t>Two agile software development methodologies</a:t>
-            </a:r>
-          </a:p>
-          <a:p>
-            <a:pPr marL="0" indent="0">
-              <a:buNone/>
-            </a:pPr>
-            <a:r>
-              <a:rPr lang="en-US" b="1" dirty="0" smtClean="0"/>
-              <a:t>1) XP</a:t>
-            </a:r>
-            <a:endParaRPr lang="en-US" b="1" dirty="0"/>
-          </a:p>
-          <a:p>
-            <a:r>
-              <a:rPr lang="en-US" dirty="0" smtClean="0"/>
-              <a:t>Extreme programming concentrates </a:t>
-            </a:r>
-            <a:r>
-              <a:rPr lang="en-US" dirty="0"/>
-              <a:t>on the development rather than managerial aspects of </a:t>
-            </a:r>
-            <a:r>
-              <a:rPr lang="en-US" dirty="0" smtClean="0"/>
-              <a:t>software project</a:t>
-            </a:r>
-          </a:p>
-          <a:p>
-            <a:r>
-              <a:rPr lang="en-US" dirty="0" smtClean="0"/>
-              <a:t>It start with a release planning phase, followed by several iterations.</a:t>
-            </a:r>
-          </a:p>
-          <a:p>
-            <a:r>
-              <a:rPr lang="en-US" dirty="0" smtClean="0"/>
-              <a:t>When </a:t>
-            </a:r>
-            <a:r>
-              <a:rPr lang="en-US" dirty="0"/>
-              <a:t>the product has enough features to satisfy users, the team terminates iteration</a:t>
-            </a:r>
-          </a:p>
-          <a:p>
-            <a:r>
-              <a:rPr lang="en-US" dirty="0"/>
-              <a:t>and releases the software</a:t>
-            </a:r>
-            <a:r>
-              <a:rPr lang="en-US" dirty="0" smtClean="0"/>
-              <a:t>.</a:t>
-            </a:r>
-          </a:p>
-          <a:p>
-            <a:pPr marL="0" indent="0">
-              <a:buNone/>
-            </a:pPr>
-            <a:r>
-              <a:rPr lang="en-US" sz="2700" b="1" dirty="0" smtClean="0"/>
-              <a:t>2) Scrum </a:t>
-            </a:r>
-            <a:r>
-              <a:rPr lang="en-US" sz="2700" b="1" dirty="0"/>
-              <a:t>development</a:t>
-            </a:r>
-          </a:p>
-          <a:p>
-            <a:r>
-              <a:rPr lang="en-US" dirty="0"/>
-              <a:t>The Scrum development process concentrates on managing sprints. Before each sprint begins, the </a:t>
-            </a:r>
-            <a:r>
-              <a:rPr lang="en-US" dirty="0" smtClean="0"/>
-              <a:t>team plans </a:t>
-            </a:r>
-            <a:r>
-              <a:rPr lang="en-US" dirty="0"/>
-              <a:t>the sprint, identifying the backlog items and assigning teams to these items. Teams develop, wrap</a:t>
-            </a:r>
-            <a:r>
-              <a:rPr lang="en-US" dirty="0" smtClean="0"/>
-              <a:t>, review</a:t>
-            </a:r>
-            <a:r>
-              <a:rPr lang="en-US" dirty="0"/>
-              <a:t>, and adjust each of the backlog items</a:t>
-            </a:r>
           </a:p>
         </p:txBody>
       </p:sp>
     </p:spTree>
     <p:extLst>
       <p:ext uri="{BB962C8B-B14F-4D97-AF65-F5344CB8AC3E}">
-        <p14:creationId xmlns:p14="http://schemas.microsoft.com/office/powerpoint/2010/main" val="2777606110"/>
+        <p14:creationId xmlns:p14="http://schemas.microsoft.com/office/powerpoint/2010/main" val="4056678970"/>
       </p:ext>
     </p:extLst>
   </p:cSld>
   <p:clrMapOvr>
     <a:masterClrMapping/>
   </p:clrMapOvr>
+  <p:timing>
+    <p:tnLst>
+      <p:par>
+        <p:cTn id="1" dur="indefinite" restart="never" nodeType="tmRoot"/>
+      </p:par>
+    </p:tnLst>
+  </p:timing>
+</p:sld>
+</file>
+
+<file path=ppt/slides/slide13.xml><?xml version="1.0" encoding="utf-8"?>
+<p:sld xmlns:a="http://schemas.openxmlformats.org/drawingml/2006/main" xmlns:r="http://schemas.openxmlformats.org/officeDocument/2006/relationships" xmlns:p="http://schemas.openxmlformats.org/presentationml/2006/main">
+  <p:cSld>
+    <p:spTree>
+      <p:nvGrpSpPr>
+        <p:cNvPr id="1" name=""/>
+        <p:cNvGrpSpPr/>
+        <p:nvPr/>
+      </p:nvGrpSpPr>
+      <p:grpSpPr>
+        <a:xfrm>
+          <a:off x="0" y="0"/>
+          <a:ext cx="0" cy="0"/>
+          <a:chOff x="0" y="0"/>
+          <a:chExt cx="0" cy="0"/>
+        </a:xfrm>
+      </p:grpSpPr>
+      <p:sp>
+        <p:nvSpPr>
+          <p:cNvPr id="4" name="Title 1"/>
+          <p:cNvSpPr>
+            <a:spLocks noGrp="1"/>
+          </p:cNvSpPr>
+          <p:nvPr>
+            <p:ph type="title"/>
+          </p:nvPr>
+        </p:nvSpPr>
+        <p:spPr>
+          <a:xfrm>
+            <a:off x="838200" y="519953"/>
+            <a:ext cx="10515600" cy="1167179"/>
+          </a:xfrm>
+        </p:spPr>
+        <p:txBody>
+          <a:bodyPr>
+            <a:normAutofit/>
+          </a:bodyPr>
+          <a:lstStyle/>
+          <a:p>
+            <a:r>
+              <a:rPr lang="en-CA" sz="3600" b="1" dirty="0" smtClean="0">
+                <a:solidFill>
+                  <a:srgbClr val="FF0000"/>
+                </a:solidFill>
+              </a:rPr>
+              <a:t>Software Versioning Repository</a:t>
+            </a:r>
+            <a:r>
+              <a:rPr lang="en-US" sz="3600" dirty="0"/>
+              <a:t/>
+            </a:r>
+            <a:br>
+              <a:rPr lang="en-US" sz="3600" dirty="0"/>
+            </a:br>
+            <a:endParaRPr lang="en-US" sz="3600" dirty="0"/>
+          </a:p>
+        </p:txBody>
+      </p:sp>
+      <p:sp>
+        <p:nvSpPr>
+          <p:cNvPr id="5" name="Content Placeholder 2"/>
+          <p:cNvSpPr>
+            <a:spLocks noGrp="1"/>
+          </p:cNvSpPr>
+          <p:nvPr>
+            <p:ph idx="1"/>
+          </p:nvPr>
+        </p:nvSpPr>
+        <p:spPr>
+          <a:xfrm>
+            <a:off x="838200" y="1479175"/>
+            <a:ext cx="10515600" cy="4697787"/>
+          </a:xfrm>
+        </p:spPr>
+        <p:txBody>
+          <a:bodyPr>
+            <a:normAutofit/>
+          </a:bodyPr>
+          <a:lstStyle/>
+          <a:p>
+            <a:pPr marL="0" indent="0" algn="just">
+              <a:buNone/>
+            </a:pPr>
+            <a:r>
+              <a:rPr lang="en-CA" dirty="0" smtClean="0"/>
+              <a:t>Repositories are a great way to manage the code when the development team consist of multiple developers and project mates and development is performed in stages. This helps in backtracking any changes which turns out to cause unpredicted results and in roll back to previous stable versions. </a:t>
+            </a:r>
+          </a:p>
+          <a:p>
+            <a:pPr marL="0" indent="0" algn="just">
+              <a:buNone/>
+            </a:pPr>
+            <a:r>
+              <a:rPr lang="en-CA" dirty="0" smtClean="0"/>
+              <a:t>One of the popularly used repositories is the </a:t>
+            </a:r>
+            <a:r>
+              <a:rPr lang="en-CA" dirty="0" err="1" smtClean="0"/>
+              <a:t>github</a:t>
+            </a:r>
+            <a:r>
+              <a:rPr lang="en-CA" dirty="0" smtClean="0"/>
+              <a:t> which provides a web interface as well as eclipse plugins to manage the code online. Due to the reliability, ease of use and multiple platform support provided by </a:t>
+            </a:r>
+            <a:r>
+              <a:rPr lang="en-CA" dirty="0" err="1" smtClean="0"/>
+              <a:t>github</a:t>
+            </a:r>
+            <a:r>
+              <a:rPr lang="en-CA" dirty="0" smtClean="0"/>
+              <a:t>, we are using git for versioning our game application, with the project stored online in </a:t>
+            </a:r>
+            <a:r>
+              <a:rPr lang="en-CA" dirty="0" err="1" smtClean="0"/>
+              <a:t>github</a:t>
+            </a:r>
+            <a:r>
+              <a:rPr lang="en-CA" dirty="0" smtClean="0"/>
+              <a:t> for easy multiple remote access.</a:t>
+            </a:r>
+            <a:endParaRPr lang="en-US" dirty="0"/>
+          </a:p>
+        </p:txBody>
+      </p:sp>
+    </p:spTree>
+    <p:extLst>
+      <p:ext uri="{BB962C8B-B14F-4D97-AF65-F5344CB8AC3E}">
+        <p14:creationId xmlns:p14="http://schemas.microsoft.com/office/powerpoint/2010/main" val="324421792"/>
+      </p:ext>
+    </p:extLst>
+  </p:cSld>
+  <p:clrMapOvr>
+    <a:masterClrMapping/>
+  </p:clrMapOvr>
+  <p:timing>
+    <p:tnLst>
+      <p:par>
+        <p:cTn id="1" dur="indefinite" restart="never" nodeType="tmRoot"/>
+      </p:par>
+    </p:tnLst>
+  </p:timing>
+</p:sld>
+</file>
+
+<file path=ppt/slides/slide14.xml><?xml version="1.0" encoding="utf-8"?>
+<p:sld xmlns:a="http://schemas.openxmlformats.org/drawingml/2006/main" xmlns:r="http://schemas.openxmlformats.org/officeDocument/2006/relationships" xmlns:p="http://schemas.openxmlformats.org/presentationml/2006/main">
+  <p:cSld>
+    <p:spTree>
+      <p:nvGrpSpPr>
+        <p:cNvPr id="1" name=""/>
+        <p:cNvGrpSpPr/>
+        <p:nvPr/>
+      </p:nvGrpSpPr>
+      <p:grpSpPr>
+        <a:xfrm>
+          <a:off x="0" y="0"/>
+          <a:ext cx="0" cy="0"/>
+          <a:chOff x="0" y="0"/>
+          <a:chExt cx="0" cy="0"/>
+        </a:xfrm>
+      </p:grpSpPr>
+      <p:sp>
+        <p:nvSpPr>
+          <p:cNvPr id="4" name="Title 1"/>
+          <p:cNvSpPr>
+            <a:spLocks noGrp="1"/>
+          </p:cNvSpPr>
+          <p:nvPr>
+            <p:ph type="title"/>
+          </p:nvPr>
+        </p:nvSpPr>
+        <p:spPr>
+          <a:xfrm>
+            <a:off x="838200" y="582706"/>
+            <a:ext cx="10515600" cy="1104426"/>
+          </a:xfrm>
+        </p:spPr>
+        <p:txBody>
+          <a:bodyPr>
+            <a:normAutofit/>
+          </a:bodyPr>
+          <a:lstStyle/>
+          <a:p>
+            <a:r>
+              <a:rPr lang="en-CA" sz="3600" b="1" dirty="0" smtClean="0">
+                <a:solidFill>
+                  <a:srgbClr val="FF0000"/>
+                </a:solidFill>
+              </a:rPr>
+              <a:t>References</a:t>
+            </a:r>
+            <a:r>
+              <a:rPr lang="en-US" sz="3600" dirty="0"/>
+              <a:t/>
+            </a:r>
+            <a:br>
+              <a:rPr lang="en-US" sz="3600" dirty="0"/>
+            </a:br>
+            <a:endParaRPr lang="en-US" sz="3600" dirty="0"/>
+          </a:p>
+        </p:txBody>
+      </p:sp>
+      <p:sp>
+        <p:nvSpPr>
+          <p:cNvPr id="5" name="Content Placeholder 2"/>
+          <p:cNvSpPr>
+            <a:spLocks noGrp="1"/>
+          </p:cNvSpPr>
+          <p:nvPr>
+            <p:ph idx="1"/>
+          </p:nvPr>
+        </p:nvSpPr>
+        <p:spPr>
+          <a:xfrm>
+            <a:off x="838200" y="1249251"/>
+            <a:ext cx="10515600" cy="4927712"/>
+          </a:xfrm>
+        </p:spPr>
+        <p:txBody>
+          <a:bodyPr>
+            <a:normAutofit/>
+          </a:bodyPr>
+          <a:lstStyle/>
+          <a:p>
+            <a:pPr marL="0" indent="0" algn="just">
+              <a:buNone/>
+            </a:pPr>
+            <a:r>
+              <a:rPr lang="en-US" dirty="0"/>
+              <a:t>[</a:t>
+            </a:r>
+            <a:r>
+              <a:rPr lang="en-US" dirty="0" smtClean="0"/>
+              <a:t>1]http</a:t>
+            </a:r>
+            <a:r>
+              <a:rPr lang="en-US" dirty="0"/>
+              <a:t>://users.encs.concordia.ca/~</a:t>
+            </a:r>
+            <a:r>
+              <a:rPr lang="en-US" dirty="0" smtClean="0"/>
+              <a:t>paquet/wiki/images/8/82/SOEN6441.patterns.ppt </a:t>
+            </a:r>
+            <a:r>
+              <a:rPr lang="en-US" dirty="0"/>
+              <a:t>by Prof. Joey </a:t>
+            </a:r>
+            <a:r>
+              <a:rPr lang="en-US" dirty="0" err="1" smtClean="0"/>
+              <a:t>Paquet</a:t>
+            </a:r>
+            <a:r>
+              <a:rPr lang="en-US" dirty="0"/>
+              <a:t>.</a:t>
+            </a:r>
+            <a:endParaRPr lang="en-US" dirty="0"/>
+          </a:p>
+          <a:p>
+            <a:pPr marL="0" indent="0" algn="just">
+              <a:buNone/>
+            </a:pPr>
+            <a:endParaRPr lang="en-US" dirty="0"/>
+          </a:p>
+        </p:txBody>
+      </p:sp>
+    </p:spTree>
+    <p:extLst>
+      <p:ext uri="{BB962C8B-B14F-4D97-AF65-F5344CB8AC3E}">
+        <p14:creationId xmlns:p14="http://schemas.microsoft.com/office/powerpoint/2010/main" val="1525472224"/>
+      </p:ext>
+    </p:extLst>
+  </p:cSld>
+  <p:clrMapOvr>
+    <a:masterClrMapping/>
+  </p:clrMapOvr>
+  <p:timing>
+    <p:tnLst>
+      <p:par>
+        <p:cTn id="1" dur="indefinite" restart="never" nodeType="tmRoot"/>
+      </p:par>
+    </p:tnLst>
+  </p:timing>
 </p:sld>
 </file>
 
@@ -3895,12 +4265,12 @@
           <a:lstStyle/>
           <a:p>
             <a:r>
-              <a:rPr lang="en-US" sz="2800" b="1" dirty="0" smtClean="0">
+              <a:rPr lang="en-US" sz="3600" b="1" dirty="0" smtClean="0">
                 <a:solidFill>
                   <a:srgbClr val="FF0000"/>
                 </a:solidFill>
               </a:rPr>
-              <a:t>INTRODUCTION</a:t>
+              <a:t>Introduction</a:t>
             </a:r>
             <a:endParaRPr lang="en-US" b="1" dirty="0">
               <a:solidFill>
@@ -3923,12 +4293,12 @@
         <p:spPr>
           <a:xfrm>
             <a:off x="838200" y="905348"/>
-            <a:ext cx="10515600" cy="5271616"/>
+            <a:ext cx="10515600" cy="5196872"/>
           </a:xfrm>
         </p:spPr>
         <p:txBody>
           <a:bodyPr>
-            <a:normAutofit fontScale="92500"/>
+            <a:normAutofit/>
           </a:bodyPr>
           <a:lstStyle/>
           <a:p>
@@ -3941,8 +4311,29 @@
             </a:pPr>
             <a:r>
               <a:rPr lang="en-US" dirty="0" smtClean="0"/>
-              <a:t>The basic idea of Tower Defense Game is to destroy moving critters in a specific path using some towers. The game consist of a map which has a start point and end point and also has a path connecting both. There is a map editor to create new maps or edit existing maps. The game starts by selecting the map and user can place towers anywhere on the scenery.</a:t>
-            </a:r>
+              <a:t>The basic idea of Tower Defense Game is to destroy moving critters in a specific path using </a:t>
+            </a:r>
+            <a:r>
+              <a:rPr lang="en-US" dirty="0" smtClean="0"/>
+              <a:t>towers</a:t>
+            </a:r>
+            <a:r>
+              <a:rPr lang="en-US" dirty="0" smtClean="0"/>
+              <a:t>. This </a:t>
+            </a:r>
+            <a:r>
+              <a:rPr lang="en-US" dirty="0" smtClean="0"/>
+              <a:t>is the complete final build </a:t>
+            </a:r>
+            <a:r>
+              <a:rPr lang="en-US" dirty="0" smtClean="0"/>
+              <a:t>of the game </a:t>
+            </a:r>
+            <a:r>
+              <a:rPr lang="en-US" dirty="0" smtClean="0"/>
+              <a:t>and has all the features mentioned in the below functional requirements.</a:t>
+            </a:r>
+            <a:endParaRPr lang="en-US" dirty="0" smtClean="0"/>
           </a:p>
           <a:p>
             <a:pPr marL="0" indent="0" algn="just">
@@ -3950,7 +4341,7 @@
             </a:pPr>
             <a:r>
               <a:rPr lang="en-US" dirty="0" smtClean="0"/>
-              <a:t>The game is developed as a desktop application using the MVC architecture implemented using Observer pattern design. The game has 2 views: </a:t>
+              <a:t>The game is developed as a desktop application using the MVC architecture implemented using Observer pattern design and also using Strategy, Singleton, Factory patterns. The game has 2 views: </a:t>
             </a:r>
           </a:p>
           <a:p>
@@ -3988,30 +4379,10 @@
             </a:r>
           </a:p>
           <a:p>
-            <a:pPr algn="just"/>
+            <a:pPr marL="0" indent="0" algn="just">
+              <a:buNone/>
+            </a:pPr>
             <a:endParaRPr lang="en-US" dirty="0" smtClean="0"/>
-          </a:p>
-          <a:p>
-            <a:pPr marL="0" indent="0" algn="just">
-              <a:buNone/>
-            </a:pPr>
-            <a:r>
-              <a:rPr lang="en-US" dirty="0" smtClean="0"/>
-              <a:t>The business logic of the game is handled by the </a:t>
-            </a:r>
-            <a:r>
-              <a:rPr lang="en-US" dirty="0" smtClean="0">
-                <a:solidFill>
-                  <a:srgbClr val="FF0000"/>
-                </a:solidFill>
-              </a:rPr>
-              <a:t>model classes</a:t>
-            </a:r>
-            <a:r>
-              <a:rPr lang="en-US" dirty="0" smtClean="0"/>
-              <a:t>.</a:t>
-            </a:r>
-            <a:endParaRPr lang="en-US" dirty="0"/>
           </a:p>
         </p:txBody>
       </p:sp>
@@ -4062,20 +4433,39 @@
             <p:ph type="title"/>
           </p:nvPr>
         </p:nvSpPr>
-        <p:spPr/>
-        <p:txBody>
-          <a:bodyPr/>
-          <a:lstStyle/>
-          <a:p>
-            <a:r>
-              <a:rPr lang="en-CA" b="1" dirty="0"/>
+        <p:spPr>
+          <a:xfrm>
+            <a:off x="838200" y="365125"/>
+            <a:ext cx="10515600" cy="952929"/>
+          </a:xfrm>
+        </p:spPr>
+        <p:txBody>
+          <a:bodyPr>
+            <a:normAutofit/>
+          </a:bodyPr>
+          <a:lstStyle/>
+          <a:p>
+            <a:r>
+              <a:rPr lang="en-CA" sz="3600" b="1" dirty="0">
+                <a:solidFill>
+                  <a:srgbClr val="FF0000"/>
+                </a:solidFill>
+              </a:rPr>
               <a:t>Functional </a:t>
             </a:r>
             <a:r>
-              <a:rPr lang="en-CA" b="1" dirty="0" smtClean="0"/>
+              <a:rPr lang="en-CA" sz="3600" b="1" dirty="0" smtClean="0">
+                <a:solidFill>
+                  <a:srgbClr val="FF0000"/>
+                </a:solidFill>
+              </a:rPr>
               <a:t>Requirements</a:t>
             </a:r>
-            <a:endParaRPr lang="en-US" dirty="0"/>
+            <a:endParaRPr lang="en-US" sz="3600" dirty="0">
+              <a:solidFill>
+                <a:srgbClr val="FF0000"/>
+              </a:solidFill>
+            </a:endParaRPr>
           </a:p>
         </p:txBody>
       </p:sp>
@@ -4091,17 +4481,17 @@
         </p:nvSpPr>
         <p:spPr>
           <a:xfrm>
-            <a:off x="838200" y="1584356"/>
-            <a:ext cx="10515600" cy="4592607"/>
+            <a:off x="838200" y="1400432"/>
+            <a:ext cx="10881048" cy="5018297"/>
           </a:xfrm>
         </p:spPr>
         <p:txBody>
           <a:bodyPr>
-            <a:normAutofit fontScale="85000" lnSpcReduction="10000"/>
+            <a:normAutofit fontScale="92500" lnSpcReduction="10000"/>
           </a:bodyPr>
           <a:lstStyle/>
           <a:p>
-            <a:pPr marL="0" indent="0">
+            <a:pPr marL="0" indent="0" algn="just">
               <a:buNone/>
             </a:pPr>
             <a:r>
@@ -4114,124 +4504,83 @@
             </a:r>
             <a:r>
               <a:rPr lang="en-CA" dirty="0" smtClean="0"/>
-              <a:t>1</a:t>
-            </a:r>
-            <a:r>
-              <a:rPr lang="en-CA" baseline="30000" dirty="0" smtClean="0"/>
-              <a:t>st</a:t>
+              <a:t>this deliverable </a:t>
             </a:r>
             <a:r>
               <a:rPr lang="en-CA" dirty="0" smtClean="0"/>
-              <a:t> deliverable includes:</a:t>
+              <a:t>includes:</a:t>
             </a:r>
             <a:endParaRPr lang="en-US" dirty="0"/>
           </a:p>
           <a:p>
-            <a:pPr lvl="1"/>
+            <a:pPr lvl="1" algn="just"/>
             <a:r>
               <a:rPr lang="en-US" dirty="0"/>
-              <a:t>User driven interactive creation of a map as a grid of user-defined dimension.</a:t>
-            </a:r>
-          </a:p>
-          <a:p>
-            <a:pPr lvl="1"/>
+              <a:t>User-driven interactive creation of a map as a grid of user-defined dimension with grid elements such as scenery, path, entry point and exit point. Saving/loading/editing/verification of an edited map</a:t>
+            </a:r>
+            <a:r>
+              <a:rPr lang="en-US" dirty="0" smtClean="0"/>
+              <a:t>.</a:t>
+            </a:r>
+          </a:p>
+          <a:p>
+            <a:pPr lvl="1" algn="just"/>
             <a:r>
               <a:rPr lang="en-US" dirty="0"/>
-              <a:t>User-driven allocation of grid elements such as scenery, path, entry point and exit point.</a:t>
-            </a:r>
-          </a:p>
-          <a:p>
-            <a:pPr lvl="1"/>
+              <a:t>Game starts by user selection of a previously user-saved map, then loads the map</a:t>
+            </a:r>
             <a:r>
               <a:rPr lang="en-US" dirty="0" smtClean="0"/>
-              <a:t>Saving </a:t>
-            </a:r>
+              <a:t>.</a:t>
+            </a:r>
+          </a:p>
+          <a:p>
+            <a:pPr lvl="1" algn="just"/>
             <a:r>
               <a:rPr lang="en-US" dirty="0"/>
-              <a:t>a map to a file.</a:t>
-            </a:r>
-          </a:p>
-          <a:p>
-            <a:pPr lvl="1"/>
+              <a:t>Wave-based play: First (pre-wave phase) the player can place new towers, upgrade towers, sell towers, and signify that critters are allowed in on the map, when all critters in a wave have been killed or reached the end point, a new wave starts</a:t>
+            </a:r>
+            <a:r>
+              <a:rPr lang="en-US" dirty="0" smtClean="0"/>
+              <a:t>.</a:t>
+            </a:r>
+          </a:p>
+          <a:p>
+            <a:pPr lvl="1" algn="just"/>
             <a:r>
               <a:rPr lang="en-US" dirty="0"/>
-              <a:t>Loading a map from an existing file, then </a:t>
+              <a:t>End of game, e.g. when a certain number of critters reach the exit point of the map, or the critters steal all the player’s coins, or the player succeeds in killing a certain number of waves</a:t>
             </a:r>
             <a:r>
               <a:rPr lang="en-US" dirty="0" smtClean="0"/>
-              <a:t>editing </a:t>
-            </a:r>
+              <a:t>.</a:t>
+            </a:r>
+          </a:p>
+          <a:p>
+            <a:pPr lvl="1" algn="just"/>
             <a:r>
               <a:rPr lang="en-US" dirty="0"/>
-              <a:t>the map.</a:t>
-            </a:r>
-          </a:p>
-          <a:p>
-            <a:pPr lvl="1"/>
+              <a:t>Implementation of currency, cost to buy/sell a tower, and reward for killing critters. </a:t>
+            </a:r>
+          </a:p>
+          <a:p>
+            <a:pPr lvl="1" algn="just"/>
+            <a:r>
+              <a:rPr lang="en-US" dirty="0"/>
+              <a:t>Critter waves are created with a level of difficulty increasing at every wave. Difficulty must involve increasing critter speed and toughness. </a:t>
+            </a:r>
+            <a:endParaRPr lang="en-US" dirty="0" smtClean="0"/>
+          </a:p>
+          <a:p>
+            <a:pPr lvl="1" algn="just"/>
+            <a:r>
+              <a:rPr lang="en-US" dirty="0"/>
+              <a:t>Implementation of at least three different kinds of towers that are characterized by special damage effects</a:t>
+            </a:r>
             <a:r>
               <a:rPr lang="en-US" dirty="0" smtClean="0"/>
-              <a:t>Verification </a:t>
-            </a:r>
-            <a:r>
-              <a:rPr lang="en-US" dirty="0"/>
-              <a:t>of map correctness before </a:t>
-            </a:r>
-            <a:r>
-              <a:rPr lang="en-US" dirty="0" smtClean="0"/>
-              <a:t>saving.</a:t>
-            </a:r>
-            <a:endParaRPr lang="en-US" dirty="0"/>
-          </a:p>
-          <a:p>
-            <a:pPr lvl="1"/>
-            <a:r>
-              <a:rPr lang="en-US" dirty="0"/>
-              <a:t>Game starts by selecting a saved map, then loads the map </a:t>
-            </a:r>
-          </a:p>
-          <a:p>
-            <a:pPr lvl="1"/>
-            <a:r>
-              <a:rPr lang="en-US" dirty="0"/>
-              <a:t>User-driven placing of towers on the map, following the game’s restrictions </a:t>
-            </a:r>
-          </a:p>
-          <a:p>
-            <a:pPr lvl="1"/>
-            <a:r>
-              <a:rPr lang="en-US" dirty="0"/>
-              <a:t>Implementation of currency and cost to buy or sell a tower </a:t>
-            </a:r>
-          </a:p>
-          <a:p>
-            <a:pPr lvl="1"/>
-            <a:r>
-              <a:rPr lang="en-US" dirty="0"/>
-              <a:t>Implementation of towers’ level-dependent characteristics such as level, cost to increase level, refund rate, range, power, rate of fire, special effects, etc. </a:t>
-            </a:r>
-          </a:p>
-          <a:p>
-            <a:pPr lvl="1"/>
-            <a:r>
-              <a:rPr lang="en-US" dirty="0"/>
-              <a:t>Tower inspection window that shows its current characteristics. </a:t>
-            </a:r>
-          </a:p>
-          <a:p>
-            <a:pPr lvl="1"/>
-            <a:r>
-              <a:rPr lang="en-US" dirty="0"/>
-              <a:t>Tower inspection window allows to sell the tower. </a:t>
-            </a:r>
-          </a:p>
-          <a:p>
-            <a:pPr lvl="1"/>
-            <a:r>
-              <a:rPr lang="en-US" dirty="0"/>
-              <a:t>Tower inspection window allows to increase the level of a tower, changing its characteristics.</a:t>
-            </a:r>
-          </a:p>
-          <a:p>
+              <a:t>.</a:t>
+            </a:r>
             <a:endParaRPr lang="en-US" dirty="0"/>
           </a:p>
         </p:txBody>
@@ -4275,85 +4624,157 @@
       </p:grpSpPr>
       <p:sp>
         <p:nvSpPr>
-          <p:cNvPr id="3" name="Content Placeholder 2"/>
-          <p:cNvSpPr>
-            <a:spLocks noGrp="1"/>
-          </p:cNvSpPr>
-          <p:nvPr>
-            <p:ph idx="1"/>
+          <p:cNvPr id="4" name="Title 1"/>
+          <p:cNvSpPr>
+            <a:spLocks noGrp="1"/>
+          </p:cNvSpPr>
+          <p:nvPr>
+            <p:ph type="title"/>
           </p:nvPr>
         </p:nvSpPr>
         <p:spPr>
           <a:xfrm>
-            <a:off x="838200" y="923453"/>
-            <a:ext cx="10515600" cy="5253510"/>
+            <a:off x="838200" y="365125"/>
+            <a:ext cx="10515600" cy="952929"/>
           </a:xfrm>
         </p:spPr>
         <p:txBody>
           <a:bodyPr>
-            <a:normAutofit fontScale="92500" lnSpcReduction="10000"/>
+            <a:normAutofit/>
           </a:bodyPr>
           <a:lstStyle/>
           <a:p>
-            <a:pPr marL="0" indent="0" algn="just">
-              <a:buNone/>
-            </a:pPr>
             <a:r>
               <a:rPr lang="en-CA" sz="3600" b="1" dirty="0">
                 <a:solidFill>
                   <a:srgbClr val="FF0000"/>
                 </a:solidFill>
               </a:rPr>
-              <a:t>Architectural Design</a:t>
-            </a:r>
-            <a:endParaRPr lang="en-US" dirty="0">
+              <a:t>Functional </a:t>
+            </a:r>
+            <a:r>
+              <a:rPr lang="en-CA" sz="3600" b="1" dirty="0" smtClean="0">
+                <a:solidFill>
+                  <a:srgbClr val="FF0000"/>
+                </a:solidFill>
+              </a:rPr>
+              <a:t>Requirements</a:t>
+            </a:r>
+            <a:endParaRPr lang="en-US" sz="3600" dirty="0">
               <a:solidFill>
                 <a:srgbClr val="FF0000"/>
               </a:solidFill>
             </a:endParaRPr>
           </a:p>
+        </p:txBody>
+      </p:sp>
+      <p:sp>
+        <p:nvSpPr>
+          <p:cNvPr id="5" name="Content Placeholder 2"/>
+          <p:cNvSpPr>
+            <a:spLocks noGrp="1"/>
+          </p:cNvSpPr>
+          <p:nvPr>
+            <p:ph idx="1"/>
+          </p:nvPr>
+        </p:nvSpPr>
+        <p:spPr>
+          <a:xfrm>
+            <a:off x="838200" y="1400432"/>
+            <a:ext cx="10881048" cy="4981707"/>
+          </a:xfrm>
+        </p:spPr>
+        <p:txBody>
+          <a:bodyPr>
+            <a:normAutofit fontScale="92500" lnSpcReduction="10000"/>
+          </a:bodyPr>
+          <a:lstStyle/>
+          <a:p>
+            <a:pPr marL="0" indent="0" algn="just">
+              <a:buNone/>
+            </a:pPr>
+            <a:r>
+              <a:rPr lang="en-CA" dirty="0" smtClean="0"/>
+              <a:t>The </a:t>
+            </a:r>
+            <a:r>
+              <a:rPr lang="en-CA" dirty="0"/>
+              <a:t>functional requirements for </a:t>
+            </a:r>
+            <a:r>
+              <a:rPr lang="en-CA" dirty="0" smtClean="0"/>
+              <a:t>this deliverable </a:t>
+            </a:r>
+            <a:r>
+              <a:rPr lang="en-CA" dirty="0" smtClean="0"/>
+              <a:t>includes:</a:t>
+            </a:r>
+            <a:endParaRPr lang="en-US" dirty="0"/>
+          </a:p>
+          <a:p>
+            <a:pPr lvl="1" algn="just"/>
+            <a:r>
+              <a:rPr lang="en-US" dirty="0"/>
+              <a:t>The towers can target the critters using the following mandatory strategies: nearest to the tower, nearest to the end point, weakest critter, strongest critter. It must be possible to set a different targeting strategies for individual towers. 	</a:t>
+            </a:r>
+          </a:p>
+          <a:p>
+            <a:pPr lvl="1" algn="just"/>
+            <a:r>
+              <a:rPr lang="en-US" dirty="0"/>
+              <a:t>Tower inspection window that dynamically shows its current characteristics, allows to sell the tower, increase the level of the tower, select the tower’s targeting strategy and view the individual tower’s </a:t>
+            </a:r>
+            <a:r>
+              <a:rPr lang="en-US" dirty="0" smtClean="0"/>
+              <a:t>log. </a:t>
+            </a:r>
+            <a:r>
+              <a:rPr lang="en-US" dirty="0"/>
+              <a:t>	</a:t>
+            </a:r>
+          </a:p>
+          <a:p>
+            <a:pPr lvl="1" algn="just"/>
+            <a:r>
+              <a:rPr lang="en-US" dirty="0" smtClean="0"/>
+              <a:t> </a:t>
+            </a:r>
+            <a:r>
+              <a:rPr lang="en-US" dirty="0"/>
+              <a:t>Critter observer that allows to dynamically observe the current hit points of any critter on the map. 	</a:t>
+            </a:r>
+          </a:p>
+          <a:p>
+            <a:pPr lvl="1" algn="just"/>
+            <a:r>
+              <a:rPr lang="en-US" dirty="0"/>
+              <a:t>Game log that records all events happening in the game, including placement/upgrade/selling of towers, critter wave creation, etc. 	</a:t>
+            </a:r>
+          </a:p>
+          <a:p>
+            <a:pPr lvl="1" algn="just"/>
+            <a:r>
+              <a:rPr lang="en-US" dirty="0"/>
+              <a:t>Map log that records in the map file the time of original creation of the map, when it was edited, when it was played and what was the result of the game every time it was played. 	</a:t>
+            </a:r>
+          </a:p>
+          <a:p>
+            <a:pPr lvl="1" algn="just"/>
+            <a:r>
+              <a:rPr lang="en-US" dirty="0"/>
+              <a:t>As a game is being played, allow the user to save the game in progress to a file, and allow the user to load the game in exactly the same state as saved. 	</a:t>
+            </a:r>
+          </a:p>
           <a:p>
             <a:pPr algn="just"/>
-            <a:r>
-              <a:rPr lang="en-CA" dirty="0" smtClean="0"/>
-              <a:t>The project is developed using the MVC </a:t>
-            </a:r>
-            <a:r>
-              <a:rPr lang="en-CA" dirty="0"/>
-              <a:t>architecture </a:t>
-            </a:r>
-            <a:r>
-              <a:rPr lang="en-CA" dirty="0" smtClean="0"/>
-              <a:t>and is implemented using the object pattern design. This model has been selected because of its decoupling advantage and its allows development of the business logic and the view separately and independently. Further, it provides flexibility in feature addition and maintenance. </a:t>
-            </a:r>
-          </a:p>
-          <a:p>
-            <a:pPr algn="just"/>
-            <a:r>
-              <a:rPr lang="en-CA" dirty="0" smtClean="0"/>
-              <a:t>The project is developed such that it has a view which extends the observable class and has a model which implements the observer class. </a:t>
-            </a:r>
-          </a:p>
-          <a:p>
-            <a:pPr algn="just"/>
-            <a:r>
-              <a:rPr lang="en-CA" dirty="0" smtClean="0"/>
-              <a:t>The view registers itself with the model so that any changes is the model which changes the state of the model gets notified to the view which is then updated accordingly. </a:t>
-            </a:r>
-          </a:p>
-          <a:p>
-            <a:pPr algn="just"/>
-            <a:r>
-              <a:rPr lang="en-CA" dirty="0" smtClean="0"/>
-              <a:t>The user interactions with the view are transferred to a separate controller class which handles all the user events and accordingly update the model objects.</a:t>
-            </a:r>
+            <a:endParaRPr lang="en-US" dirty="0"/>
           </a:p>
         </p:txBody>
       </p:sp>
     </p:spTree>
     <p:extLst>
       <p:ext uri="{BB962C8B-B14F-4D97-AF65-F5344CB8AC3E}">
-        <p14:creationId xmlns:p14="http://schemas.microsoft.com/office/powerpoint/2010/main" val="3874999374"/>
+        <p14:creationId xmlns:p14="http://schemas.microsoft.com/office/powerpoint/2010/main" val="1716760697"/>
       </p:ext>
     </p:extLst>
   </p:cSld>
@@ -4389,18 +4810,18 @@
       </p:grpSpPr>
       <p:sp>
         <p:nvSpPr>
-          <p:cNvPr id="3" name="Content Placeholder 2"/>
-          <p:cNvSpPr>
-            <a:spLocks noGrp="1"/>
-          </p:cNvSpPr>
-          <p:nvPr>
-            <p:ph idx="1"/>
+          <p:cNvPr id="2" name="Title 1"/>
+          <p:cNvSpPr>
+            <a:spLocks noGrp="1"/>
+          </p:cNvSpPr>
+          <p:nvPr>
+            <p:ph type="title"/>
           </p:nvPr>
         </p:nvSpPr>
         <p:spPr>
           <a:xfrm>
-            <a:off x="838200" y="470780"/>
-            <a:ext cx="10515600" cy="6038662"/>
+            <a:off x="838200" y="365126"/>
+            <a:ext cx="10515600" cy="959822"/>
           </a:xfrm>
         </p:spPr>
         <p:txBody>
@@ -4409,6 +4830,218 @@
           </a:bodyPr>
           <a:lstStyle/>
           <a:p>
+            <a:r>
+              <a:rPr lang="en-US" sz="3600" b="1" dirty="0" smtClean="0">
+                <a:solidFill>
+                  <a:srgbClr val="FF0000"/>
+                </a:solidFill>
+              </a:rPr>
+              <a:t>Agile Methodology</a:t>
+            </a:r>
+            <a:endParaRPr lang="en-US" sz="3600" b="1" dirty="0">
+              <a:solidFill>
+                <a:srgbClr val="FF0000"/>
+              </a:solidFill>
+            </a:endParaRPr>
+          </a:p>
+        </p:txBody>
+      </p:sp>
+      <p:sp>
+        <p:nvSpPr>
+          <p:cNvPr id="3" name="Content Placeholder 2"/>
+          <p:cNvSpPr>
+            <a:spLocks noGrp="1"/>
+          </p:cNvSpPr>
+          <p:nvPr>
+            <p:ph idx="1"/>
+          </p:nvPr>
+        </p:nvSpPr>
+        <p:spPr>
+          <a:xfrm>
+            <a:off x="838200" y="1468192"/>
+            <a:ext cx="10515600" cy="4708771"/>
+          </a:xfrm>
+        </p:spPr>
+        <p:txBody>
+          <a:bodyPr>
+            <a:normAutofit/>
+          </a:bodyPr>
+          <a:lstStyle/>
+          <a:p>
+            <a:pPr marL="0" indent="0" algn="just">
+              <a:buNone/>
+            </a:pPr>
+            <a:r>
+              <a:rPr lang="en-US" dirty="0" smtClean="0"/>
+              <a:t>We have adopted agile scum development methodology for building the application and the whole project is going to be build in different stages. Further, the intermediate releases ensure that the project is being built the right direction. </a:t>
+            </a:r>
+          </a:p>
+          <a:p>
+            <a:pPr marL="0" indent="0" algn="just">
+              <a:buNone/>
+            </a:pPr>
+            <a:r>
+              <a:rPr lang="en-US" dirty="0" smtClean="0"/>
+              <a:t>This is the </a:t>
+            </a:r>
+            <a:r>
+              <a:rPr lang="en-US" dirty="0" smtClean="0"/>
+              <a:t>final stage </a:t>
+            </a:r>
+            <a:r>
+              <a:rPr lang="en-US" dirty="0" smtClean="0"/>
+              <a:t>of the development and here we demonstrate our accomplishment of how a map can be created successfully, how the demo game is implemented </a:t>
+            </a:r>
+            <a:r>
+              <a:rPr lang="en-US" dirty="0" smtClean="0"/>
+              <a:t>in </a:t>
+            </a:r>
+            <a:r>
+              <a:rPr lang="en-US" dirty="0" smtClean="0"/>
+              <a:t>which </a:t>
+            </a:r>
+            <a:r>
+              <a:rPr lang="en-US" dirty="0" smtClean="0"/>
+              <a:t>different waves </a:t>
+            </a:r>
+            <a:r>
+              <a:rPr lang="en-US" dirty="0" smtClean="0"/>
+              <a:t>of critters move through the path in the map once game starts and how damage is inflicted onto the critters by the user placed towers on the scenery. </a:t>
+            </a:r>
+          </a:p>
+          <a:p>
+            <a:pPr marL="0" indent="0" algn="just">
+              <a:buNone/>
+            </a:pPr>
+            <a:r>
+              <a:rPr lang="en-US" dirty="0" smtClean="0"/>
+              <a:t>In our team, the documentation, coding and testing has been done collectively with each of the work reviewed by one/more peer(s). </a:t>
+            </a:r>
+            <a:endParaRPr lang="en-US" dirty="0"/>
+          </a:p>
+        </p:txBody>
+      </p:sp>
+    </p:spTree>
+    <p:extLst>
+      <p:ext uri="{BB962C8B-B14F-4D97-AF65-F5344CB8AC3E}">
+        <p14:creationId xmlns:p14="http://schemas.microsoft.com/office/powerpoint/2010/main" val="615925567"/>
+      </p:ext>
+    </p:extLst>
+  </p:cSld>
+  <p:clrMapOvr>
+    <a:masterClrMapping/>
+  </p:clrMapOvr>
+  <p:timing>
+    <p:tnLst>
+      <p:par>
+        <p:cTn id="1" dur="indefinite" restart="never" nodeType="tmRoot"/>
+      </p:par>
+    </p:tnLst>
+  </p:timing>
+</p:sld>
+</file>
+
+<file path=ppt/slides/slide6.xml><?xml version="1.0" encoding="utf-8"?>
+<p:sld xmlns:a="http://schemas.openxmlformats.org/drawingml/2006/main" xmlns:r="http://schemas.openxmlformats.org/officeDocument/2006/relationships" xmlns:p="http://schemas.openxmlformats.org/presentationml/2006/main">
+  <p:cSld>
+    <p:spTree>
+      <p:nvGrpSpPr>
+        <p:cNvPr id="1" name=""/>
+        <p:cNvGrpSpPr/>
+        <p:nvPr/>
+      </p:nvGrpSpPr>
+      <p:grpSpPr>
+        <a:xfrm>
+          <a:off x="0" y="0"/>
+          <a:ext cx="0" cy="0"/>
+          <a:chOff x="0" y="0"/>
+          <a:chExt cx="0" cy="0"/>
+        </a:xfrm>
+      </p:grpSpPr>
+      <p:sp>
+        <p:nvSpPr>
+          <p:cNvPr id="3" name="Content Placeholder 2"/>
+          <p:cNvSpPr>
+            <a:spLocks noGrp="1"/>
+          </p:cNvSpPr>
+          <p:nvPr>
+            <p:ph idx="1"/>
+          </p:nvPr>
+        </p:nvSpPr>
+        <p:spPr>
+          <a:xfrm>
+            <a:off x="838200" y="634482"/>
+            <a:ext cx="10515600" cy="5542481"/>
+          </a:xfrm>
+        </p:spPr>
+        <p:txBody>
+          <a:bodyPr>
+            <a:normAutofit fontScale="92500" lnSpcReduction="10000"/>
+          </a:bodyPr>
+          <a:lstStyle/>
+          <a:p>
+            <a:pPr marL="0" indent="0" algn="just">
+              <a:buNone/>
+            </a:pPr>
+            <a:r>
+              <a:rPr lang="en-CA" sz="3900" dirty="0">
+                <a:solidFill>
+                  <a:srgbClr val="FF0000"/>
+                </a:solidFill>
+              </a:rPr>
+              <a:t>Architectural </a:t>
+            </a:r>
+            <a:r>
+              <a:rPr lang="en-CA" sz="3900" dirty="0" smtClean="0">
+                <a:solidFill>
+                  <a:srgbClr val="FF0000"/>
+                </a:solidFill>
+              </a:rPr>
+              <a:t>Design – Observer Pattern</a:t>
+            </a:r>
+            <a:endParaRPr lang="en-US" dirty="0">
+              <a:solidFill>
+                <a:srgbClr val="FF0000"/>
+              </a:solidFill>
+            </a:endParaRPr>
+          </a:p>
+          <a:p>
+            <a:pPr algn="just"/>
+            <a:r>
+              <a:rPr lang="en-CA" dirty="0" smtClean="0"/>
+              <a:t>The project is developed using the MVC </a:t>
+            </a:r>
+            <a:r>
+              <a:rPr lang="en-CA" dirty="0"/>
+              <a:t>architecture </a:t>
+            </a:r>
+            <a:r>
+              <a:rPr lang="en-CA" dirty="0" smtClean="0"/>
+              <a:t>and is implemented using the object pattern design. This model has been selected because of its decoupling advantage and its allows development of the business logic and the view separately and independently. Further, it provides flexibility in feature addition and maintenance. </a:t>
+            </a:r>
+          </a:p>
+          <a:p>
+            <a:pPr algn="just"/>
+            <a:r>
+              <a:rPr lang="en-CA" dirty="0" smtClean="0"/>
+              <a:t>The project is developed such that it has a view which extends the observable class and has a model which implements the observer class. </a:t>
+            </a:r>
+            <a:r>
+              <a:rPr lang="en-CA" dirty="0"/>
+              <a:t>The user interactions with the view are transferred to a separate controller class which handles all the user events and accordingly update the model </a:t>
+            </a:r>
+            <a:r>
+              <a:rPr lang="en-CA" dirty="0" smtClean="0"/>
+              <a:t>objects.</a:t>
+            </a:r>
+          </a:p>
+          <a:p>
+            <a:pPr marL="0" indent="0" algn="just">
+              <a:buNone/>
+            </a:pPr>
+            <a:endParaRPr lang="en-CA" dirty="0"/>
+          </a:p>
+          <a:p>
             <a:pPr marL="0" indent="0" algn="just">
               <a:buNone/>
             </a:pPr>
@@ -4417,7 +5050,7 @@
               <a:t>The </a:t>
             </a:r>
             <a:r>
-              <a:rPr lang="en-US" dirty="0" smtClean="0">
+              <a:rPr lang="en-US" dirty="0">
                 <a:solidFill>
                   <a:srgbClr val="FF0000"/>
                 </a:solidFill>
@@ -4425,9 +5058,117 @@
               <a:t>view</a:t>
             </a:r>
             <a:r>
+              <a:rPr lang="en-US" dirty="0"/>
+              <a:t> is updated by the model by triggering an event every time its state gets updated. The view invokes methods in the controller class for handling user interactions</a:t>
+            </a:r>
+            <a:r>
               <a:rPr lang="en-US" dirty="0" smtClean="0"/>
-              <a:t> is the face of the application that interacts with the user. The view is updated by the model by triggering an event every time its state gets updated. The view invokes methods in the controller class for handling user interactions. The view reads data from the model classes using direct invocation.</a:t>
-            </a:r>
+              <a:t>.</a:t>
+            </a:r>
+            <a:endParaRPr lang="en-CA" dirty="0" smtClean="0"/>
+          </a:p>
+        </p:txBody>
+      </p:sp>
+    </p:spTree>
+    <p:extLst>
+      <p:ext uri="{BB962C8B-B14F-4D97-AF65-F5344CB8AC3E}">
+        <p14:creationId xmlns:p14="http://schemas.microsoft.com/office/powerpoint/2010/main" val="3874999374"/>
+      </p:ext>
+    </p:extLst>
+  </p:cSld>
+  <p:clrMapOvr>
+    <a:masterClrMapping/>
+  </p:clrMapOvr>
+  <p:timing>
+    <p:tnLst>
+      <p:par>
+        <p:cTn id="1" dur="indefinite" restart="never" nodeType="tmRoot"/>
+      </p:par>
+    </p:tnLst>
+  </p:timing>
+</p:sld>
+</file>
+
+<file path=ppt/slides/slide7.xml><?xml version="1.0" encoding="utf-8"?>
+<p:sld xmlns:a="http://schemas.openxmlformats.org/drawingml/2006/main" xmlns:r="http://schemas.openxmlformats.org/officeDocument/2006/relationships" xmlns:p="http://schemas.openxmlformats.org/presentationml/2006/main">
+  <p:cSld>
+    <p:spTree>
+      <p:nvGrpSpPr>
+        <p:cNvPr id="1" name=""/>
+        <p:cNvGrpSpPr/>
+        <p:nvPr/>
+      </p:nvGrpSpPr>
+      <p:grpSpPr>
+        <a:xfrm>
+          <a:off x="0" y="0"/>
+          <a:ext cx="0" cy="0"/>
+          <a:chOff x="0" y="0"/>
+          <a:chExt cx="0" cy="0"/>
+        </a:xfrm>
+      </p:grpSpPr>
+      <p:sp>
+        <p:nvSpPr>
+          <p:cNvPr id="3" name="Content Placeholder 2"/>
+          <p:cNvSpPr>
+            <a:spLocks noGrp="1"/>
+          </p:cNvSpPr>
+          <p:nvPr>
+            <p:ph idx="1"/>
+          </p:nvPr>
+        </p:nvSpPr>
+        <p:spPr>
+          <a:xfrm>
+            <a:off x="838200" y="358589"/>
+            <a:ext cx="10515600" cy="6311152"/>
+          </a:xfrm>
+        </p:spPr>
+        <p:txBody>
+          <a:bodyPr>
+            <a:normAutofit/>
+          </a:bodyPr>
+          <a:lstStyle/>
+          <a:p>
+            <a:pPr marL="0" indent="0" algn="just">
+              <a:buNone/>
+            </a:pPr>
+            <a:r>
+              <a:rPr lang="en-US" sz="2400" dirty="0"/>
+              <a:t>The </a:t>
+            </a:r>
+            <a:r>
+              <a:rPr lang="en-US" sz="2400" dirty="0">
+                <a:solidFill>
+                  <a:srgbClr val="FF0000"/>
+                </a:solidFill>
+              </a:rPr>
+              <a:t>controller</a:t>
+            </a:r>
+            <a:r>
+              <a:rPr lang="en-US" sz="2400" dirty="0"/>
+              <a:t> is responsible for the implementing the application behavior towards user interactions. It updates the model classes based on the user interactions.</a:t>
+            </a:r>
+          </a:p>
+          <a:p>
+            <a:pPr marL="0" indent="0" algn="just">
+              <a:buNone/>
+            </a:pPr>
+            <a:r>
+              <a:rPr lang="en-US" sz="2400" dirty="0" smtClean="0"/>
+              <a:t>The </a:t>
+            </a:r>
+            <a:r>
+              <a:rPr lang="en-US" sz="2400" dirty="0">
+                <a:solidFill>
+                  <a:srgbClr val="FF0000"/>
+                </a:solidFill>
+              </a:rPr>
+              <a:t>model</a:t>
+            </a:r>
+            <a:r>
+              <a:rPr lang="en-US" sz="2400" dirty="0"/>
+              <a:t> classes implement the business logic and handles the data associated with the application. It is an extension of the observable class.</a:t>
+            </a:r>
+            <a:endParaRPr lang="en-US" sz="2400" dirty="0" smtClean="0"/>
           </a:p>
           <a:p>
             <a:pPr marL="0" indent="0" algn="just">
@@ -5079,7 +5820,7 @@
         </p:nvCxnSpPr>
         <p:spPr>
           <a:xfrm>
-            <a:off x="9171160" y="5299298"/>
+            <a:off x="9171160" y="4731407"/>
             <a:ext cx="380246" cy="0"/>
           </a:xfrm>
           <a:prstGeom prst="line">
@@ -5109,7 +5850,7 @@
         </p:nvCxnSpPr>
         <p:spPr>
           <a:xfrm>
-            <a:off x="9180214" y="5576937"/>
+            <a:off x="9180214" y="5009046"/>
             <a:ext cx="371192" cy="0"/>
           </a:xfrm>
           <a:prstGeom prst="line">
@@ -5151,301 +5892,6 @@
 </p:sld>
 </file>
 
-<file path=ppt/slides/slide6.xml><?xml version="1.0" encoding="utf-8"?>
-<p:sld xmlns:a="http://schemas.openxmlformats.org/drawingml/2006/main" xmlns:r="http://schemas.openxmlformats.org/officeDocument/2006/relationships" xmlns:p="http://schemas.openxmlformats.org/presentationml/2006/main">
-  <p:cSld>
-    <p:spTree>
-      <p:nvGrpSpPr>
-        <p:cNvPr id="1" name=""/>
-        <p:cNvGrpSpPr/>
-        <p:nvPr/>
-      </p:nvGrpSpPr>
-      <p:grpSpPr>
-        <a:xfrm>
-          <a:off x="0" y="0"/>
-          <a:ext cx="0" cy="0"/>
-          <a:chOff x="0" y="0"/>
-          <a:chExt cx="0" cy="0"/>
-        </a:xfrm>
-      </p:grpSpPr>
-      <p:sp>
-        <p:nvSpPr>
-          <p:cNvPr id="3" name="Content Placeholder 2"/>
-          <p:cNvSpPr>
-            <a:spLocks noGrp="1"/>
-          </p:cNvSpPr>
-          <p:nvPr>
-            <p:ph idx="1"/>
-          </p:nvPr>
-        </p:nvSpPr>
-        <p:spPr>
-          <a:xfrm>
-            <a:off x="838200" y="497941"/>
-            <a:ext cx="10515600" cy="5679022"/>
-          </a:xfrm>
-        </p:spPr>
-        <p:txBody>
-          <a:bodyPr/>
-          <a:lstStyle/>
-          <a:p>
-            <a:pPr marL="0" indent="0" algn="just">
-              <a:buNone/>
-            </a:pPr>
-            <a:r>
-              <a:rPr lang="en-US" dirty="0"/>
-              <a:t>The </a:t>
-            </a:r>
-            <a:r>
-              <a:rPr lang="en-US" dirty="0">
-                <a:solidFill>
-                  <a:srgbClr val="FF0000"/>
-                </a:solidFill>
-              </a:rPr>
-              <a:t>controller</a:t>
-            </a:r>
-            <a:r>
-              <a:rPr lang="en-US" dirty="0"/>
-              <a:t> is invoked by the event handlers in the view which handles the user`s </a:t>
-            </a:r>
-            <a:r>
-              <a:rPr lang="en-US" dirty="0" smtClean="0"/>
-              <a:t>input. It is responsible for the implementing the application behavior towards user interactions. It updates the model classes based on the user interactions.</a:t>
-            </a:r>
-          </a:p>
-          <a:p>
-            <a:pPr marL="0" indent="0" algn="just">
-              <a:buNone/>
-            </a:pPr>
-            <a:endParaRPr lang="en-US" dirty="0" smtClean="0"/>
-          </a:p>
-          <a:p>
-            <a:pPr marL="0" indent="0" algn="just">
-              <a:buNone/>
-            </a:pPr>
-            <a:r>
-              <a:rPr lang="en-US" dirty="0" smtClean="0"/>
-              <a:t>The </a:t>
-            </a:r>
-            <a:r>
-              <a:rPr lang="en-US" dirty="0" smtClean="0">
-                <a:solidFill>
-                  <a:srgbClr val="FF0000"/>
-                </a:solidFill>
-              </a:rPr>
-              <a:t>model</a:t>
-            </a:r>
-            <a:r>
-              <a:rPr lang="en-US" dirty="0" smtClean="0"/>
-              <a:t> classes implement the business logic and handles the data associated with the application. It is an extension of the observable class. The view or the controller classes updates the model depending on the user interaction with the user provided input. If it is a valid change and the state of the model is updated, the model sets its state and update all observers of the model. Thus, the registered view gets the update trigger event and the view is </a:t>
-            </a:r>
-            <a:r>
-              <a:rPr lang="en-US" smtClean="0"/>
-              <a:t>updated accordingly. </a:t>
-            </a:r>
-            <a:endParaRPr lang="en-US" dirty="0"/>
-          </a:p>
-          <a:p>
-            <a:pPr marL="0" indent="0" algn="just">
-              <a:buNone/>
-            </a:pPr>
-            <a:endParaRPr lang="en-US" dirty="0"/>
-          </a:p>
-        </p:txBody>
-      </p:sp>
-    </p:spTree>
-    <p:extLst>
-      <p:ext uri="{BB962C8B-B14F-4D97-AF65-F5344CB8AC3E}">
-        <p14:creationId xmlns:p14="http://schemas.microsoft.com/office/powerpoint/2010/main" val="964007905"/>
-      </p:ext>
-    </p:extLst>
-  </p:cSld>
-  <p:clrMapOvr>
-    <a:masterClrMapping/>
-  </p:clrMapOvr>
-</p:sld>
-</file>
-
-<file path=ppt/slides/slide7.xml><?xml version="1.0" encoding="utf-8"?>
-<p:sld xmlns:a="http://schemas.openxmlformats.org/drawingml/2006/main" xmlns:r="http://schemas.openxmlformats.org/officeDocument/2006/relationships" xmlns:p="http://schemas.openxmlformats.org/presentationml/2006/main">
-  <p:cSld>
-    <p:spTree>
-      <p:nvGrpSpPr>
-        <p:cNvPr id="1" name=""/>
-        <p:cNvGrpSpPr/>
-        <p:nvPr/>
-      </p:nvGrpSpPr>
-      <p:grpSpPr>
-        <a:xfrm>
-          <a:off x="0" y="0"/>
-          <a:ext cx="0" cy="0"/>
-          <a:chOff x="0" y="0"/>
-          <a:chExt cx="0" cy="0"/>
-        </a:xfrm>
-      </p:grpSpPr>
-      <p:sp>
-        <p:nvSpPr>
-          <p:cNvPr id="2" name="Title 1"/>
-          <p:cNvSpPr>
-            <a:spLocks noGrp="1"/>
-          </p:cNvSpPr>
-          <p:nvPr>
-            <p:ph type="title"/>
-          </p:nvPr>
-        </p:nvSpPr>
-        <p:spPr/>
-        <p:txBody>
-          <a:bodyPr/>
-          <a:lstStyle/>
-          <a:p>
-            <a:r>
-              <a:rPr lang="en-CA" dirty="0"/>
-              <a:t>Subsystems Design</a:t>
-            </a:r>
-            <a:r>
-              <a:rPr lang="en-US" dirty="0"/>
-              <a:t/>
-            </a:r>
-            <a:br>
-              <a:rPr lang="en-US" dirty="0"/>
-            </a:br>
-            <a:endParaRPr lang="en-US" dirty="0"/>
-          </a:p>
-        </p:txBody>
-      </p:sp>
-      <p:sp>
-        <p:nvSpPr>
-          <p:cNvPr id="3" name="Content Placeholder 2"/>
-          <p:cNvSpPr>
-            <a:spLocks noGrp="1"/>
-          </p:cNvSpPr>
-          <p:nvPr>
-            <p:ph idx="1"/>
-          </p:nvPr>
-        </p:nvSpPr>
-        <p:spPr/>
-        <p:txBody>
-          <a:bodyPr/>
-          <a:lstStyle/>
-          <a:p>
-            <a:r>
-              <a:rPr lang="en-CA" dirty="0"/>
-              <a:t>These are the packages in the system and their related classes </a:t>
-            </a:r>
-            <a:endParaRPr lang="en-US" dirty="0"/>
-          </a:p>
-          <a:p>
-            <a:endParaRPr lang="en-US" dirty="0"/>
-          </a:p>
-        </p:txBody>
-      </p:sp>
-      <p:pic>
-        <p:nvPicPr>
-          <p:cNvPr id="4" name="Picture 3"/>
-          <p:cNvPicPr/>
-          <p:nvPr/>
-        </p:nvPicPr>
-        <p:blipFill>
-          <a:blip r:embed="rId2"/>
-          <a:stretch>
-            <a:fillRect/>
-          </a:stretch>
-        </p:blipFill>
-        <p:spPr>
-          <a:xfrm>
-            <a:off x="1484344" y="2715419"/>
-            <a:ext cx="1419225" cy="1285875"/>
-          </a:xfrm>
-          <a:prstGeom prst="rect">
-            <a:avLst/>
-          </a:prstGeom>
-        </p:spPr>
-      </p:pic>
-      <p:pic>
-        <p:nvPicPr>
-          <p:cNvPr id="5" name="Picture 4"/>
-          <p:cNvPicPr/>
-          <p:nvPr/>
-        </p:nvPicPr>
-        <p:blipFill>
-          <a:blip r:embed="rId3"/>
-          <a:stretch>
-            <a:fillRect/>
-          </a:stretch>
-        </p:blipFill>
-        <p:spPr>
-          <a:xfrm>
-            <a:off x="3452401" y="2715419"/>
-            <a:ext cx="1267460" cy="1245870"/>
-          </a:xfrm>
-          <a:prstGeom prst="rect">
-            <a:avLst/>
-          </a:prstGeom>
-        </p:spPr>
-      </p:pic>
-      <p:pic>
-        <p:nvPicPr>
-          <p:cNvPr id="6" name="Picture 5"/>
-          <p:cNvPicPr/>
-          <p:nvPr/>
-        </p:nvPicPr>
-        <p:blipFill>
-          <a:blip r:embed="rId4"/>
-          <a:stretch>
-            <a:fillRect/>
-          </a:stretch>
-        </p:blipFill>
-        <p:spPr>
-          <a:xfrm>
-            <a:off x="5314950" y="2847816"/>
-            <a:ext cx="1562100" cy="981075"/>
-          </a:xfrm>
-          <a:prstGeom prst="rect">
-            <a:avLst/>
-          </a:prstGeom>
-        </p:spPr>
-      </p:pic>
-      <p:pic>
-        <p:nvPicPr>
-          <p:cNvPr id="7" name="Picture 6"/>
-          <p:cNvPicPr/>
-          <p:nvPr/>
-        </p:nvPicPr>
-        <p:blipFill>
-          <a:blip r:embed="rId5"/>
-          <a:stretch>
-            <a:fillRect/>
-          </a:stretch>
-        </p:blipFill>
-        <p:spPr>
-          <a:xfrm>
-            <a:off x="8111452" y="3055143"/>
-            <a:ext cx="1310640" cy="566420"/>
-          </a:xfrm>
-          <a:prstGeom prst="rect">
-            <a:avLst/>
-          </a:prstGeom>
-        </p:spPr>
-      </p:pic>
-    </p:spTree>
-    <p:extLst>
-      <p:ext uri="{BB962C8B-B14F-4D97-AF65-F5344CB8AC3E}">
-        <p14:creationId xmlns:p14="http://schemas.microsoft.com/office/powerpoint/2010/main" val="2850902425"/>
-      </p:ext>
-    </p:extLst>
-  </p:cSld>
-  <p:clrMapOvr>
-    <a:masterClrMapping/>
-  </p:clrMapOvr>
-  <p:timing>
-    <p:tnLst>
-      <p:par>
-        <p:cTn id="1" dur="indefinite" restart="never" nodeType="tmRoot"/>
-      </p:par>
-    </p:tnLst>
-  </p:timing>
-</p:sld>
-</file>
-
 <file path=ppt/slides/slide8.xml><?xml version="1.0" encoding="utf-8"?>
 <p:sld xmlns:a="http://schemas.openxmlformats.org/drawingml/2006/main" xmlns:r="http://schemas.openxmlformats.org/officeDocument/2006/relationships" xmlns:p="http://schemas.openxmlformats.org/presentationml/2006/main">
   <p:cSld>
@@ -5465,7 +5911,7 @@
       </p:grpSpPr>
       <p:sp>
         <p:nvSpPr>
-          <p:cNvPr id="2" name="Title 1"/>
+          <p:cNvPr id="4" name="Title 1"/>
           <p:cNvSpPr>
             <a:spLocks noGrp="1"/>
           </p:cNvSpPr>
@@ -5473,82 +5919,113 @@
             <p:ph type="title"/>
           </p:nvPr>
         </p:nvSpPr>
-        <p:spPr/>
-        <p:txBody>
-          <a:bodyPr/>
-          <a:lstStyle/>
-          <a:p>
-            <a:r>
-              <a:rPr lang="en-CA" dirty="0"/>
-              <a:t>UML Class diagram for MVC Architecture </a:t>
+        <p:spPr>
+          <a:xfrm>
+            <a:off x="838200" y="365126"/>
+            <a:ext cx="10515600" cy="959822"/>
+          </a:xfrm>
+        </p:spPr>
+        <p:txBody>
+          <a:bodyPr>
+            <a:normAutofit/>
+          </a:bodyPr>
+          <a:lstStyle/>
+          <a:p>
+            <a:r>
+              <a:rPr lang="en-US" sz="3600" b="1" dirty="0" smtClean="0">
+                <a:solidFill>
+                  <a:srgbClr val="FF0000"/>
+                </a:solidFill>
+              </a:rPr>
+              <a:t>Strategy Pattern</a:t>
+            </a:r>
+            <a:endParaRPr lang="en-US" sz="3600" b="1" dirty="0">
+              <a:solidFill>
+                <a:srgbClr val="FF0000"/>
+              </a:solidFill>
+            </a:endParaRPr>
+          </a:p>
+        </p:txBody>
+      </p:sp>
+      <p:sp>
+        <p:nvSpPr>
+          <p:cNvPr id="5" name="Content Placeholder 2"/>
+          <p:cNvSpPr>
+            <a:spLocks noGrp="1"/>
+          </p:cNvSpPr>
+          <p:nvPr>
+            <p:ph idx="1"/>
+          </p:nvPr>
+        </p:nvSpPr>
+        <p:spPr>
+          <a:xfrm>
+            <a:off x="838200" y="1468192"/>
+            <a:ext cx="10515600" cy="4708771"/>
+          </a:xfrm>
+        </p:spPr>
+        <p:txBody>
+          <a:bodyPr>
+            <a:normAutofit/>
+          </a:bodyPr>
+          <a:lstStyle/>
+          <a:p>
+            <a:pPr marL="0" indent="0" algn="just">
+              <a:buNone/>
+            </a:pPr>
+            <a:r>
+              <a:rPr lang="en-US" dirty="0" smtClean="0"/>
+              <a:t>While implementing the towers we came across the scenario when the shooting logic of the towers has to be determined by the user during the game play. Now, since this strategy needs to be determined at runtime, we have implemented the tower shooting logic using the strategy pattern since the tower can have different ways of targeting the critters. We are using this pattern since its design aligns in purpose with the selection of tower shooting strategy. </a:t>
+            </a:r>
+          </a:p>
+          <a:p>
+            <a:pPr marL="0" indent="0" algn="just">
+              <a:buNone/>
+            </a:pPr>
+            <a:r>
+              <a:rPr lang="en-US" dirty="0" smtClean="0"/>
+              <a:t>We have defined a base interface class with few methods which is implemented using different algorithms for different approaches such as nearest critter 1</a:t>
+            </a:r>
+            <a:r>
+              <a:rPr lang="en-US" baseline="30000" dirty="0" smtClean="0"/>
+              <a:t>st</a:t>
+            </a:r>
+            <a:r>
+              <a:rPr lang="en-US" dirty="0" smtClean="0"/>
+              <a:t>, strongest critter 1</a:t>
+            </a:r>
+            <a:r>
+              <a:rPr lang="en-US" baseline="30000" dirty="0" smtClean="0"/>
+              <a:t>st</a:t>
             </a:r>
             <a:r>
               <a:rPr lang="en-US" dirty="0"/>
-              <a:t/>
-            </a:r>
-            <a:br>
-              <a:rPr lang="en-US" dirty="0"/>
-            </a:br>
+              <a:t> </a:t>
+            </a:r>
+            <a:r>
+              <a:rPr lang="en-US" dirty="0" smtClean="0"/>
+              <a:t>and weakest critter 1</a:t>
+            </a:r>
+            <a:r>
+              <a:rPr lang="en-US" baseline="30000" dirty="0" smtClean="0"/>
+              <a:t>st</a:t>
+            </a:r>
+            <a:r>
+              <a:rPr lang="en-US" dirty="0" smtClean="0"/>
+              <a:t> in 3 different strategy classes.</a:t>
+            </a:r>
+          </a:p>
+          <a:p>
+            <a:pPr marL="0" indent="0" algn="just">
+              <a:buNone/>
+            </a:pPr>
             <a:endParaRPr lang="en-US" dirty="0"/>
           </a:p>
         </p:txBody>
       </p:sp>
-      <p:sp>
-        <p:nvSpPr>
-          <p:cNvPr id="3" name="Content Placeholder 2"/>
-          <p:cNvSpPr>
-            <a:spLocks noGrp="1"/>
-          </p:cNvSpPr>
-          <p:nvPr>
-            <p:ph idx="1"/>
-          </p:nvPr>
-        </p:nvSpPr>
-        <p:spPr/>
-        <p:txBody>
-          <a:bodyPr/>
-          <a:lstStyle/>
-          <a:p>
-            <a:r>
-              <a:rPr lang="en-CA" dirty="0"/>
-              <a:t>package: </a:t>
-            </a:r>
-            <a:r>
-              <a:rPr lang="en-CA" dirty="0" err="1"/>
-              <a:t>com.IDG.mapSimulator</a:t>
-            </a:r>
-            <a:endParaRPr lang="en-US" dirty="0"/>
-          </a:p>
-          <a:p>
-            <a:endParaRPr lang="en-US" dirty="0"/>
-          </a:p>
-        </p:txBody>
-      </p:sp>
-      <p:pic>
-        <p:nvPicPr>
-          <p:cNvPr id="4" name="Picture 3"/>
-          <p:cNvPicPr/>
-          <p:nvPr/>
-        </p:nvPicPr>
-        <p:blipFill>
-          <a:blip r:embed="rId2"/>
-          <a:stretch>
-            <a:fillRect/>
-          </a:stretch>
-        </p:blipFill>
-        <p:spPr>
-          <a:xfrm>
-            <a:off x="3883511" y="2523511"/>
-            <a:ext cx="1419225" cy="1285875"/>
-          </a:xfrm>
-          <a:prstGeom prst="rect">
-            <a:avLst/>
-          </a:prstGeom>
-        </p:spPr>
-      </p:pic>
     </p:spTree>
     <p:extLst>
       <p:ext uri="{BB962C8B-B14F-4D97-AF65-F5344CB8AC3E}">
-        <p14:creationId xmlns:p14="http://schemas.microsoft.com/office/powerpoint/2010/main" val="4115273796"/>
+        <p14:creationId xmlns:p14="http://schemas.microsoft.com/office/powerpoint/2010/main" val="1461203410"/>
       </p:ext>
     </p:extLst>
   </p:cSld>
@@ -5584,7 +6061,7 @@
       </p:grpSpPr>
       <p:sp>
         <p:nvSpPr>
-          <p:cNvPr id="2" name="Title 1"/>
+          <p:cNvPr id="4" name="Title 1"/>
           <p:cNvSpPr>
             <a:spLocks noGrp="1"/>
           </p:cNvSpPr>
@@ -5592,60 +6069,127 @@
             <p:ph type="title"/>
           </p:nvPr>
         </p:nvSpPr>
-        <p:spPr/>
-        <p:txBody>
-          <a:bodyPr/>
-          <a:lstStyle/>
-          <a:p>
-            <a:r>
-              <a:rPr lang="en-CA" dirty="0" smtClean="0"/>
-              <a:t>UML Class diagram for MVC Architecture</a:t>
-            </a:r>
-            <a:endParaRPr lang="en-US" dirty="0"/>
-          </a:p>
-        </p:txBody>
-      </p:sp>
-      <p:pic>
-        <p:nvPicPr>
-          <p:cNvPr id="4" name="Content Placeholder 3" descr="Room_UML"/>
-          <p:cNvPicPr>
-            <a:picLocks noGrp="1"/>
-          </p:cNvPicPr>
+        <p:spPr>
+          <a:xfrm>
+            <a:off x="838200" y="365126"/>
+            <a:ext cx="10515600" cy="959822"/>
+          </a:xfrm>
+        </p:spPr>
+        <p:txBody>
+          <a:bodyPr>
+            <a:normAutofit/>
+          </a:bodyPr>
+          <a:lstStyle/>
+          <a:p>
+            <a:r>
+              <a:rPr lang="en-US" sz="3600" b="1" dirty="0" smtClean="0">
+                <a:solidFill>
+                  <a:srgbClr val="FF0000"/>
+                </a:solidFill>
+              </a:rPr>
+              <a:t>Singleton Pattern</a:t>
+            </a:r>
+            <a:endParaRPr lang="en-US" sz="3600" b="1" dirty="0">
+              <a:solidFill>
+                <a:srgbClr val="FF0000"/>
+              </a:solidFill>
+            </a:endParaRPr>
+          </a:p>
+        </p:txBody>
+      </p:sp>
+      <p:sp>
+        <p:nvSpPr>
+          <p:cNvPr id="5" name="Content Placeholder 2"/>
+          <p:cNvSpPr>
+            <a:spLocks noGrp="1"/>
+          </p:cNvSpPr>
           <p:nvPr>
             <p:ph idx="1"/>
           </p:nvPr>
-        </p:nvPicPr>
-        <p:blipFill>
-          <a:blip r:embed="rId2">
-            <a:extLst>
-              <a:ext uri="{28A0092B-C50C-407E-A947-70E740481C1C}">
-                <a14:useLocalDpi xmlns:a14="http://schemas.microsoft.com/office/drawing/2010/main" val="0"/>
-              </a:ext>
-            </a:extLst>
-          </a:blip>
-          <a:srcRect/>
-          <a:stretch>
-            <a:fillRect/>
-          </a:stretch>
-        </p:blipFill>
-        <p:spPr bwMode="auto">
+        </p:nvSpPr>
+        <p:spPr>
           <a:xfrm>
-            <a:off x="3153679" y="2142497"/>
-            <a:ext cx="5631143" cy="4351338"/>
-          </a:xfrm>
-          <a:prstGeom prst="rect">
-            <a:avLst/>
-          </a:prstGeom>
-          <a:noFill/>
-          <a:ln>
-            <a:noFill/>
-          </a:ln>
-        </p:spPr>
-      </p:pic>
+            <a:off x="838200" y="1468192"/>
+            <a:ext cx="10515600" cy="4708771"/>
+          </a:xfrm>
+        </p:spPr>
+        <p:txBody>
+          <a:bodyPr>
+            <a:noAutofit/>
+          </a:bodyPr>
+          <a:lstStyle/>
+          <a:p>
+            <a:pPr marL="0" indent="0">
+              <a:spcBef>
+                <a:spcPct val="20000"/>
+              </a:spcBef>
+              <a:buClr>
+                <a:schemeClr val="accent1"/>
+              </a:buClr>
+              <a:buSzPct val="85000"/>
+              <a:buNone/>
+            </a:pPr>
+            <a:r>
+              <a:rPr lang="en-US" altLang="en-US" dirty="0" smtClean="0">
+                <a:latin typeface="Calibri" panose="020F0502020204030204" pitchFamily="34" charset="0"/>
+              </a:rPr>
+              <a:t>During application development, there occurs cases where a single instance of a class is required. For such cases we use the singleton pattern. The singleton pattern ensures that only one instance of a </a:t>
+            </a:r>
+            <a:r>
+              <a:rPr lang="en-US" altLang="en-US" dirty="0">
+                <a:latin typeface="Calibri" panose="020F0502020204030204" pitchFamily="34" charset="0"/>
+              </a:rPr>
+              <a:t>class </a:t>
+            </a:r>
+            <a:r>
+              <a:rPr lang="en-US" altLang="en-US" dirty="0" smtClean="0">
+                <a:latin typeface="Calibri" panose="020F0502020204030204" pitchFamily="34" charset="0"/>
+              </a:rPr>
+              <a:t>is created and has a global point </a:t>
+            </a:r>
+            <a:r>
+              <a:rPr lang="en-US" altLang="en-US" dirty="0">
+                <a:latin typeface="Calibri" panose="020F0502020204030204" pitchFamily="34" charset="0"/>
+              </a:rPr>
+              <a:t>of access to it.  </a:t>
+            </a:r>
+            <a:endParaRPr lang="en-US" altLang="en-US" dirty="0" smtClean="0">
+              <a:latin typeface="Calibri" panose="020F0502020204030204" pitchFamily="34" charset="0"/>
+            </a:endParaRPr>
+          </a:p>
+          <a:p>
+            <a:pPr marL="0" indent="0">
+              <a:spcBef>
+                <a:spcPct val="20000"/>
+              </a:spcBef>
+              <a:buClr>
+                <a:schemeClr val="accent1"/>
+              </a:buClr>
+              <a:buSzPct val="85000"/>
+              <a:buNone/>
+            </a:pPr>
+            <a:r>
+              <a:rPr lang="en-US" altLang="en-US" dirty="0" smtClean="0">
+                <a:latin typeface="Calibri" panose="020F0502020204030204" pitchFamily="34" charset="0"/>
+              </a:rPr>
+              <a:t>In our game application, we have created the game controller as a singleton controller. This is because for the whole game play, only one game controller class instance is required. Ensuring that only a single instance of the class is created keeps the code design </a:t>
+            </a:r>
+            <a:r>
+              <a:rPr lang="en-US" altLang="en-US" dirty="0" smtClean="0">
+                <a:latin typeface="Calibri" panose="020F0502020204030204" pitchFamily="34" charset="0"/>
+              </a:rPr>
+              <a:t>simple and prevents multiple instantiation of the controller class.</a:t>
+            </a:r>
+            <a:endParaRPr lang="en-US" dirty="0">
+              <a:latin typeface="Calibri" panose="020F0502020204030204" pitchFamily="34" charset="0"/>
+            </a:endParaRPr>
+          </a:p>
+        </p:txBody>
+      </p:sp>
     </p:spTree>
     <p:extLst>
       <p:ext uri="{BB962C8B-B14F-4D97-AF65-F5344CB8AC3E}">
-        <p14:creationId xmlns:p14="http://schemas.microsoft.com/office/powerpoint/2010/main" val="145071701"/>
+        <p14:creationId xmlns:p14="http://schemas.microsoft.com/office/powerpoint/2010/main" val="2293065483"/>
       </p:ext>
     </p:extLst>
   </p:cSld>

--- a/document/Presentation.pptx
+++ b/document/Presentation.pptx
@@ -3690,31 +3690,7 @@
               <a:rPr lang="en-US" altLang="en-US" dirty="0" smtClean="0">
                 <a:latin typeface="Calibri" panose="020F0502020204030204" pitchFamily="34" charset="0"/>
               </a:rPr>
-              <a:t>In </a:t>
-            </a:r>
-            <a:r>
-              <a:rPr lang="en-US" altLang="en-US" dirty="0" smtClean="0">
-                <a:latin typeface="Calibri" panose="020F0502020204030204" pitchFamily="34" charset="0"/>
-              </a:rPr>
-              <a:t>any </a:t>
-            </a:r>
-            <a:r>
-              <a:rPr lang="en-US" altLang="en-US" dirty="0" smtClean="0">
-                <a:latin typeface="Calibri" panose="020F0502020204030204" pitchFamily="34" charset="0"/>
-              </a:rPr>
-              <a:t>application, </a:t>
-            </a:r>
-            <a:r>
-              <a:rPr lang="en-US" altLang="en-US" dirty="0" smtClean="0">
-                <a:latin typeface="Calibri" panose="020F0502020204030204" pitchFamily="34" charset="0"/>
-              </a:rPr>
-              <a:t>the development process is not perfect. In order to assist the </a:t>
-            </a:r>
-            <a:r>
-              <a:rPr lang="en-US" altLang="en-US" dirty="0" smtClean="0">
-                <a:latin typeface="Calibri" panose="020F0502020204030204" pitchFamily="34" charset="0"/>
-              </a:rPr>
-              <a:t>developer with debugging and the user with analyzing errors or unpredicted behaviors, we use logs. Logs help in determining the errors or unexpected behaviors faster. In our game application, we are also using the log files to determine what is happening inside the application when various functionalities are executed.</a:t>
+              <a:t>In any application, the development process is not perfect. In order to assist the developer with debugging and the user with analyzing errors or unpredicted behaviors, we use logs. Logs help in determining the errors or unexpected behaviors faster. In our game application, we are also using the log files to determine what is happening inside the application when various functionalities are executed.</a:t>
             </a:r>
           </a:p>
           <a:p>
@@ -4197,7 +4173,6 @@
               <a:rPr lang="en-US" dirty="0"/>
               <a:t>.</a:t>
             </a:r>
-            <a:endParaRPr lang="en-US" dirty="0"/>
           </a:p>
           <a:p>
             <a:pPr marL="0" indent="0" algn="just">
@@ -4311,29 +4286,8 @@
             </a:pPr>
             <a:r>
               <a:rPr lang="en-US" dirty="0" smtClean="0"/>
-              <a:t>The basic idea of Tower Defense Game is to destroy moving critters in a specific path using </a:t>
-            </a:r>
-            <a:r>
-              <a:rPr lang="en-US" dirty="0" smtClean="0"/>
-              <a:t>towers</a:t>
-            </a:r>
-            <a:r>
-              <a:rPr lang="en-US" dirty="0" smtClean="0"/>
-              <a:t>. This </a:t>
-            </a:r>
-            <a:r>
-              <a:rPr lang="en-US" dirty="0" smtClean="0"/>
-              <a:t>is the complete final build </a:t>
-            </a:r>
-            <a:r>
-              <a:rPr lang="en-US" dirty="0" smtClean="0"/>
-              <a:t>of the game </a:t>
-            </a:r>
-            <a:r>
-              <a:rPr lang="en-US" dirty="0" smtClean="0"/>
-              <a:t>and has all the features mentioned in the below functional requirements.</a:t>
-            </a:r>
-            <a:endParaRPr lang="en-US" dirty="0" smtClean="0"/>
+              <a:t>The basic idea of Tower Defense Game is to destroy moving critters in a specific path using towers. This is the complete final build of the game and has all the features mentioned in the below functional requirements.</a:t>
+            </a:r>
           </a:p>
           <a:p>
             <a:pPr marL="0" indent="0" algn="just">
@@ -4487,7 +4441,7 @@
         </p:spPr>
         <p:txBody>
           <a:bodyPr>
-            <a:normAutofit fontScale="92500" lnSpcReduction="10000"/>
+            <a:normAutofit fontScale="92500"/>
           </a:bodyPr>
           <a:lstStyle/>
           <a:p>
@@ -4504,11 +4458,7 @@
             </a:r>
             <a:r>
               <a:rPr lang="en-CA" dirty="0" smtClean="0"/>
-              <a:t>this deliverable </a:t>
-            </a:r>
-            <a:r>
-              <a:rPr lang="en-CA" dirty="0" smtClean="0"/>
-              <a:t>includes:</a:t>
+              <a:t>this deliverable includes:</a:t>
             </a:r>
             <a:endParaRPr lang="en-US" dirty="0"/>
           </a:p>
@@ -4516,7 +4466,15 @@
             <a:pPr lvl="1" algn="just"/>
             <a:r>
               <a:rPr lang="en-US" dirty="0"/>
-              <a:t>User-driven interactive creation of a map as a grid of user-defined dimension with grid elements such as scenery, path, entry point and exit point. Saving/loading/editing/verification of an edited map</a:t>
+              <a:t>User-driven interactive creation of a map as a grid of user-defined dimension with grid elements such as scenery, path, entry point and exit point. </a:t>
+            </a:r>
+            <a:endParaRPr lang="en-US" dirty="0" smtClean="0"/>
+          </a:p>
+          <a:p>
+            <a:pPr lvl="1" algn="just"/>
+            <a:r>
+              <a:rPr lang="en-US" dirty="0"/>
+              <a:t>Game starts by user selection of a previously user-saved map, then loads the map</a:t>
             </a:r>
             <a:r>
               <a:rPr lang="en-US" dirty="0" smtClean="0"/>
@@ -4526,8 +4484,12 @@
           <a:p>
             <a:pPr lvl="1" algn="just"/>
             <a:r>
+              <a:rPr lang="en-US" dirty="0" smtClean="0"/>
+              <a:t>First the </a:t>
+            </a:r>
+            <a:r>
               <a:rPr lang="en-US" dirty="0"/>
-              <a:t>Game starts by user selection of a previously user-saved map, then loads the map</a:t>
+              <a:t>player can place new towers, upgrade towers, sell towers, and signify that critters are allowed in on the map, when all critters in a wave have been killed or reached the end point, a new wave starts</a:t>
             </a:r>
             <a:r>
               <a:rPr lang="en-US" dirty="0" smtClean="0"/>
@@ -4537,19 +4499,12 @@
           <a:p>
             <a:pPr lvl="1" algn="just"/>
             <a:r>
+              <a:rPr lang="en-US" dirty="0" smtClean="0"/>
+              <a:t>When </a:t>
+            </a:r>
+            <a:r>
               <a:rPr lang="en-US" dirty="0"/>
-              <a:t>Wave-based play: First (pre-wave phase) the player can place new towers, upgrade towers, sell towers, and signify that critters are allowed in on the map, when all critters in a wave have been killed or reached the end point, a new wave starts</a:t>
-            </a:r>
-            <a:r>
-              <a:rPr lang="en-US" dirty="0" smtClean="0"/>
-              <a:t>.</a:t>
-            </a:r>
-          </a:p>
-          <a:p>
-            <a:pPr lvl="1" algn="just"/>
-            <a:r>
-              <a:rPr lang="en-US" dirty="0"/>
-              <a:t>End of game, e.g. when a certain number of critters reach the exit point of the map, or the critters steal all the player’s coins, or the player succeeds in killing a certain number of waves</a:t>
+              <a:t>a certain number of critters reach the exit point of the map, or the critters steal all the player’s coins, or the player succeeds in killing a certain number of waves</a:t>
             </a:r>
             <a:r>
               <a:rPr lang="en-US" dirty="0" smtClean="0"/>
@@ -4703,11 +4658,7 @@
             </a:r>
             <a:r>
               <a:rPr lang="en-CA" dirty="0" smtClean="0"/>
-              <a:t>this deliverable </a:t>
-            </a:r>
-            <a:r>
-              <a:rPr lang="en-CA" dirty="0" smtClean="0"/>
-              <a:t>includes:</a:t>
+              <a:t>this deliverable includes:</a:t>
             </a:r>
             <a:endParaRPr lang="en-US" dirty="0"/>
           </a:p>
@@ -4748,7 +4699,19 @@
             <a:pPr lvl="1" algn="just"/>
             <a:r>
               <a:rPr lang="en-US" dirty="0"/>
-              <a:t>Game log that records all events happening in the game, including placement/upgrade/selling of towers, critter wave creation, etc. 	</a:t>
+              <a:t>Game log that records all events happening in the game, including </a:t>
+            </a:r>
+            <a:r>
+              <a:rPr lang="en-US"/>
+              <a:t>placement</a:t>
+            </a:r>
+            <a:r>
+              <a:rPr lang="en-US" smtClean="0"/>
+              <a:t>/ upgrade/ selling </a:t>
+            </a:r>
+            <a:r>
+              <a:rPr lang="en-US" dirty="0"/>
+              <a:t>of towers, critter wave creation, etc. 	</a:t>
             </a:r>
           </a:p>
           <a:p>
@@ -4882,31 +4845,7 @@
             </a:pPr>
             <a:r>
               <a:rPr lang="en-US" dirty="0" smtClean="0"/>
-              <a:t>This is the </a:t>
-            </a:r>
-            <a:r>
-              <a:rPr lang="en-US" dirty="0" smtClean="0"/>
-              <a:t>final stage </a:t>
-            </a:r>
-            <a:r>
-              <a:rPr lang="en-US" dirty="0" smtClean="0"/>
-              <a:t>of the development and here we demonstrate our accomplishment of how a map can be created successfully, how the demo game is implemented </a:t>
-            </a:r>
-            <a:r>
-              <a:rPr lang="en-US" dirty="0" smtClean="0"/>
-              <a:t>in </a:t>
-            </a:r>
-            <a:r>
-              <a:rPr lang="en-US" dirty="0" smtClean="0"/>
-              <a:t>which </a:t>
-            </a:r>
-            <a:r>
-              <a:rPr lang="en-US" dirty="0" smtClean="0"/>
-              <a:t>different waves </a:t>
-            </a:r>
-            <a:r>
-              <a:rPr lang="en-US" dirty="0" smtClean="0"/>
-              <a:t>of critters move through the path in the map once game starts and how damage is inflicted onto the critters by the user placed towers on the scenery. </a:t>
+              <a:t>This is the final stage of the development and here we demonstrate our accomplishment of how a map can be created successfully, how the demo game is implemented in which different waves of critters move through the path in the map once game starts and how damage is inflicted onto the critters by the user placed towers on the scenery. </a:t>
             </a:r>
           </a:p>
           <a:p>
@@ -6172,13 +6111,7 @@
               <a:rPr lang="en-US" altLang="en-US" dirty="0" smtClean="0">
                 <a:latin typeface="Calibri" panose="020F0502020204030204" pitchFamily="34" charset="0"/>
               </a:rPr>
-              <a:t>In our game application, we have created the game controller as a singleton controller. This is because for the whole game play, only one game controller class instance is required. Ensuring that only a single instance of the class is created keeps the code design </a:t>
-            </a:r>
-            <a:r>
-              <a:rPr lang="en-US" altLang="en-US" dirty="0" smtClean="0">
-                <a:latin typeface="Calibri" panose="020F0502020204030204" pitchFamily="34" charset="0"/>
-              </a:rPr>
-              <a:t>simple and prevents multiple instantiation of the controller class.</a:t>
+              <a:t>In our game application, we have created the game controller as a singleton controller. This is because for the whole game play, only one game controller class instance is required. Ensuring that only a single instance of the class is created keeps the code design simple and prevents multiple instantiation of the controller class.</a:t>
             </a:r>
             <a:endParaRPr lang="en-US" dirty="0">
               <a:latin typeface="Calibri" panose="020F0502020204030204" pitchFamily="34" charset="0"/>
